--- a/2021.01.14_git/2020.01.14_git.pptx
+++ b/2021.01.14_git/2020.01.14_git.pptx
@@ -7,7 +7,14 @@
   <p:sldIdLst>
     <p:sldId id="256" r:id="rId2"/>
     <p:sldId id="257" r:id="rId3"/>
-    <p:sldId id="258" r:id="rId4"/>
+    <p:sldId id="259" r:id="rId4"/>
+    <p:sldId id="258" r:id="rId5"/>
+    <p:sldId id="260" r:id="rId6"/>
+    <p:sldId id="263" r:id="rId7"/>
+    <p:sldId id="264" r:id="rId8"/>
+    <p:sldId id="265" r:id="rId9"/>
+    <p:sldId id="266" r:id="rId10"/>
+    <p:sldId id="267" r:id="rId11"/>
   </p:sldIdLst>
   <p:sldSz cx="12192000" cy="6858000"/>
   <p:notesSz cx="6858000" cy="9144000"/>
@@ -3416,8 +3423,8 @@
         </p:nvSpPr>
         <p:spPr>
           <a:xfrm>
-            <a:off x="1942011" y="6069874"/>
-            <a:ext cx="3877985" cy="369332"/>
+            <a:off x="0" y="6488668"/>
+            <a:ext cx="12192000" cy="369332"/>
           </a:xfrm>
           <a:prstGeom prst="rect">
             <a:avLst/>
@@ -3425,11 +3432,12 @@
           <a:noFill/>
         </p:spPr>
         <p:txBody>
-          <a:bodyPr wrap="none" rtlCol="0">
+          <a:bodyPr wrap="square" rtlCol="0">
             <a:spAutoFit/>
           </a:bodyPr>
           <a:lstStyle/>
           <a:p>
+            <a:pPr algn="ctr"/>
             <a:r>
               <a:rPr lang="en-US" dirty="0" err="1"/>
               <a:t>kadm@uw.edu</a:t>
@@ -3443,9 +3451,16 @@
               <a:t>kdillmcfarland</a:t>
             </a:r>
             <a:r>
-              <a:rPr lang="en-US"/>
-              <a:t>	</a:t>
-            </a:r>
+              <a:rPr lang="en-US" dirty="0"/>
+              <a:t>						Slides </a:t>
+            </a:r>
+            <a:r>
+              <a:rPr lang="en-US" dirty="0">
+                <a:hlinkClick r:id="rId2"/>
+              </a:rPr>
+              <a:t>https://tinyurl.com/yxz9llyu</a:t>
+            </a:r>
+            <a:endParaRPr lang="en-US" dirty="0"/>
           </a:p>
         </p:txBody>
       </p:sp>
@@ -3453,6 +3468,141 @@
     <p:extLst>
       <p:ext uri="{BB962C8B-B14F-4D97-AF65-F5344CB8AC3E}">
         <p14:creationId xmlns:p14="http://schemas.microsoft.com/office/powerpoint/2010/main" val="3380474223"/>
+      </p:ext>
+    </p:extLst>
+  </p:cSld>
+  <p:clrMapOvr>
+    <a:masterClrMapping/>
+  </p:clrMapOvr>
+</p:sld>
+</file>
+
+<file path=ppt/slides/slide10.xml><?xml version="1.0" encoding="utf-8"?>
+<p:sld xmlns:a="http://schemas.openxmlformats.org/drawingml/2006/main" xmlns:r="http://schemas.openxmlformats.org/officeDocument/2006/relationships" xmlns:p="http://schemas.openxmlformats.org/presentationml/2006/main">
+  <p:cSld>
+    <p:spTree>
+      <p:nvGrpSpPr>
+        <p:cNvPr id="1" name=""/>
+        <p:cNvGrpSpPr/>
+        <p:nvPr/>
+      </p:nvGrpSpPr>
+      <p:grpSpPr>
+        <a:xfrm>
+          <a:off x="0" y="0"/>
+          <a:ext cx="0" cy="0"/>
+          <a:chOff x="0" y="0"/>
+          <a:chExt cx="0" cy="0"/>
+        </a:xfrm>
+      </p:grpSpPr>
+      <p:sp>
+        <p:nvSpPr>
+          <p:cNvPr id="2" name="Title 1">
+            <a:extLst>
+              <a:ext uri="{FF2B5EF4-FFF2-40B4-BE49-F238E27FC236}">
+                <a16:creationId xmlns:a16="http://schemas.microsoft.com/office/drawing/2014/main" id="{3FC0A6EC-04AA-5B45-94C0-FF1C4EFEF1BA}"/>
+              </a:ext>
+            </a:extLst>
+          </p:cNvPr>
+          <p:cNvSpPr>
+            <a:spLocks noGrp="1"/>
+          </p:cNvSpPr>
+          <p:nvPr>
+            <p:ph type="title"/>
+          </p:nvPr>
+        </p:nvSpPr>
+        <p:spPr/>
+        <p:txBody>
+          <a:bodyPr/>
+          <a:lstStyle/>
+          <a:p>
+            <a:endParaRPr lang="en-US"/>
+          </a:p>
+        </p:txBody>
+      </p:sp>
+      <p:sp>
+        <p:nvSpPr>
+          <p:cNvPr id="3" name="Content Placeholder 2">
+            <a:extLst>
+              <a:ext uri="{FF2B5EF4-FFF2-40B4-BE49-F238E27FC236}">
+                <a16:creationId xmlns:a16="http://schemas.microsoft.com/office/drawing/2014/main" id="{82EC5F2A-B8D5-F442-A36B-5E8FE02E22DB}"/>
+              </a:ext>
+            </a:extLst>
+          </p:cNvPr>
+          <p:cNvSpPr>
+            <a:spLocks noGrp="1"/>
+          </p:cNvSpPr>
+          <p:nvPr>
+            <p:ph idx="1"/>
+          </p:nvPr>
+        </p:nvSpPr>
+        <p:spPr/>
+        <p:txBody>
+          <a:bodyPr/>
+          <a:lstStyle/>
+          <a:p>
+            <a:endParaRPr lang="en-US"/>
+          </a:p>
+        </p:txBody>
+      </p:sp>
+      <p:sp>
+        <p:nvSpPr>
+          <p:cNvPr id="4" name="TextBox 3">
+            <a:extLst>
+              <a:ext uri="{FF2B5EF4-FFF2-40B4-BE49-F238E27FC236}">
+                <a16:creationId xmlns:a16="http://schemas.microsoft.com/office/drawing/2014/main" id="{1FAA8BE5-F9EE-D246-815B-B3C52BE8CBA4}"/>
+              </a:ext>
+            </a:extLst>
+          </p:cNvPr>
+          <p:cNvSpPr txBox="1"/>
+          <p:nvPr/>
+        </p:nvSpPr>
+        <p:spPr>
+          <a:xfrm>
+            <a:off x="0" y="6488668"/>
+            <a:ext cx="12192000" cy="369332"/>
+          </a:xfrm>
+          <a:prstGeom prst="rect">
+            <a:avLst/>
+          </a:prstGeom>
+          <a:noFill/>
+        </p:spPr>
+        <p:txBody>
+          <a:bodyPr wrap="square" rtlCol="0">
+            <a:spAutoFit/>
+          </a:bodyPr>
+          <a:lstStyle/>
+          <a:p>
+            <a:pPr algn="ctr"/>
+            <a:r>
+              <a:rPr lang="en-US" dirty="0" err="1"/>
+              <a:t>kadm@uw.edu</a:t>
+            </a:r>
+            <a:r>
+              <a:rPr lang="en-US" dirty="0"/>
+              <a:t>	@</a:t>
+            </a:r>
+            <a:r>
+              <a:rPr lang="en-US" dirty="0" err="1"/>
+              <a:t>kdillmcfarland</a:t>
+            </a:r>
+            <a:r>
+              <a:rPr lang="en-US" dirty="0"/>
+              <a:t>						Slides </a:t>
+            </a:r>
+            <a:r>
+              <a:rPr lang="en-US" dirty="0">
+                <a:hlinkClick r:id="rId2"/>
+              </a:rPr>
+              <a:t>https://tinyurl.com/yxz9llyu</a:t>
+            </a:r>
+            <a:endParaRPr lang="en-US" dirty="0"/>
+          </a:p>
+        </p:txBody>
+      </p:sp>
+    </p:spTree>
+    <p:extLst>
+      <p:ext uri="{BB962C8B-B14F-4D97-AF65-F5344CB8AC3E}">
+        <p14:creationId xmlns:p14="http://schemas.microsoft.com/office/powerpoint/2010/main" val="503829201"/>
       </p:ext>
     </p:extLst>
   </p:cSld>
@@ -3539,7 +3689,7 @@
           <a:p>
             <a:r>
               <a:rPr lang="en-US" dirty="0"/>
-              <a:t>Why version control</a:t>
+              <a:t>Why version control?</a:t>
             </a:r>
           </a:p>
           <a:p>
@@ -3569,6 +3719,61 @@
               <a:rPr lang="en-US" dirty="0"/>
               <a:t>Share with the world!</a:t>
             </a:r>
+          </a:p>
+        </p:txBody>
+      </p:sp>
+      <p:sp>
+        <p:nvSpPr>
+          <p:cNvPr id="4" name="TextBox 3">
+            <a:extLst>
+              <a:ext uri="{FF2B5EF4-FFF2-40B4-BE49-F238E27FC236}">
+                <a16:creationId xmlns:a16="http://schemas.microsoft.com/office/drawing/2014/main" id="{E70FB443-04DB-6A4E-BD03-F9131CDC0A87}"/>
+              </a:ext>
+            </a:extLst>
+          </p:cNvPr>
+          <p:cNvSpPr txBox="1"/>
+          <p:nvPr/>
+        </p:nvSpPr>
+        <p:spPr>
+          <a:xfrm>
+            <a:off x="0" y="6488668"/>
+            <a:ext cx="12192000" cy="369332"/>
+          </a:xfrm>
+          <a:prstGeom prst="rect">
+            <a:avLst/>
+          </a:prstGeom>
+          <a:noFill/>
+        </p:spPr>
+        <p:txBody>
+          <a:bodyPr wrap="square" rtlCol="0">
+            <a:spAutoFit/>
+          </a:bodyPr>
+          <a:lstStyle/>
+          <a:p>
+            <a:pPr algn="ctr"/>
+            <a:r>
+              <a:rPr lang="en-US" dirty="0" err="1"/>
+              <a:t>kadm@uw.edu</a:t>
+            </a:r>
+            <a:r>
+              <a:rPr lang="en-US" dirty="0"/>
+              <a:t>	@</a:t>
+            </a:r>
+            <a:r>
+              <a:rPr lang="en-US" dirty="0" err="1"/>
+              <a:t>kdillmcfarland</a:t>
+            </a:r>
+            <a:r>
+              <a:rPr lang="en-US" dirty="0"/>
+              <a:t>						Slides </a:t>
+            </a:r>
+            <a:r>
+              <a:rPr lang="en-US" dirty="0">
+                <a:hlinkClick r:id="rId2"/>
+              </a:rPr>
+              <a:t>https://tinyurl.com/yxz9llyu</a:t>
+            </a:r>
+            <a:endParaRPr lang="en-US" dirty="0"/>
           </a:p>
         </p:txBody>
       </p:sp>
@@ -3623,7 +3828,10 @@
           <a:bodyPr/>
           <a:lstStyle/>
           <a:p>
-            <a:endParaRPr lang="en-US"/>
+            <a:r>
+              <a:rPr lang="en-US" dirty="0"/>
+              <a:t>Version control</a:t>
+            </a:r>
           </a:p>
         </p:txBody>
       </p:sp>
@@ -3648,14 +3856,923 @@
           <a:bodyPr/>
           <a:lstStyle/>
           <a:p>
-            <a:endParaRPr lang="en-US"/>
-          </a:p>
-        </p:txBody>
-      </p:sp>
+            <a:endParaRPr lang="en-US" dirty="0"/>
+          </a:p>
+          <a:p>
+            <a:r>
+              <a:rPr lang="en-US" dirty="0"/>
+              <a:t>Date files</a:t>
+            </a:r>
+          </a:p>
+          <a:p>
+            <a:pPr lvl="1"/>
+            <a:r>
+              <a:rPr lang="en-US" dirty="0"/>
+              <a:t>Short and long time scale issues</a:t>
+            </a:r>
+          </a:p>
+          <a:p>
+            <a:endParaRPr lang="en-US" dirty="0"/>
+          </a:p>
+          <a:p>
+            <a:r>
+              <a:rPr lang="en-US" dirty="0"/>
+              <a:t>Version numbers (v1.0.0)</a:t>
+            </a:r>
+          </a:p>
+          <a:p>
+            <a:endParaRPr lang="en-US" dirty="0"/>
+          </a:p>
+          <a:p>
+            <a:r>
+              <a:rPr lang="en-US" dirty="0"/>
+              <a:t>Distributed (git)</a:t>
+            </a:r>
+          </a:p>
+        </p:txBody>
+      </p:sp>
+      <p:sp>
+        <p:nvSpPr>
+          <p:cNvPr id="4" name="TextBox 3">
+            <a:extLst>
+              <a:ext uri="{FF2B5EF4-FFF2-40B4-BE49-F238E27FC236}">
+                <a16:creationId xmlns:a16="http://schemas.microsoft.com/office/drawing/2014/main" id="{1FAA8BE5-F9EE-D246-815B-B3C52BE8CBA4}"/>
+              </a:ext>
+            </a:extLst>
+          </p:cNvPr>
+          <p:cNvSpPr txBox="1"/>
+          <p:nvPr/>
+        </p:nvSpPr>
+        <p:spPr>
+          <a:xfrm>
+            <a:off x="0" y="6488668"/>
+            <a:ext cx="12192000" cy="369332"/>
+          </a:xfrm>
+          <a:prstGeom prst="rect">
+            <a:avLst/>
+          </a:prstGeom>
+          <a:noFill/>
+        </p:spPr>
+        <p:txBody>
+          <a:bodyPr wrap="square" rtlCol="0">
+            <a:spAutoFit/>
+          </a:bodyPr>
+          <a:lstStyle/>
+          <a:p>
+            <a:pPr algn="ctr"/>
+            <a:r>
+              <a:rPr lang="en-US" dirty="0" err="1"/>
+              <a:t>kadm@uw.edu</a:t>
+            </a:r>
+            <a:r>
+              <a:rPr lang="en-US" dirty="0"/>
+              <a:t>	@</a:t>
+            </a:r>
+            <a:r>
+              <a:rPr lang="en-US" dirty="0" err="1"/>
+              <a:t>kdillmcfarland</a:t>
+            </a:r>
+            <a:r>
+              <a:rPr lang="en-US" dirty="0"/>
+              <a:t>						Slides </a:t>
+            </a:r>
+            <a:r>
+              <a:rPr lang="en-US" dirty="0">
+                <a:hlinkClick r:id="rId2"/>
+              </a:rPr>
+              <a:t>https://tinyurl.com/yxz9llyu</a:t>
+            </a:r>
+            <a:endParaRPr lang="en-US" dirty="0"/>
+          </a:p>
+        </p:txBody>
+      </p:sp>
+    </p:spTree>
+    <p:extLst>
+      <p:ext uri="{BB962C8B-B14F-4D97-AF65-F5344CB8AC3E}">
+        <p14:creationId xmlns:p14="http://schemas.microsoft.com/office/powerpoint/2010/main" val="3167940411"/>
+      </p:ext>
+    </p:extLst>
+  </p:cSld>
+  <p:clrMapOvr>
+    <a:masterClrMapping/>
+  </p:clrMapOvr>
+</p:sld>
+</file>
+
+<file path=ppt/slides/slide4.xml><?xml version="1.0" encoding="utf-8"?>
+<p:sld xmlns:a="http://schemas.openxmlformats.org/drawingml/2006/main" xmlns:r="http://schemas.openxmlformats.org/officeDocument/2006/relationships" xmlns:p="http://schemas.openxmlformats.org/presentationml/2006/main">
+  <p:cSld>
+    <p:spTree>
+      <p:nvGrpSpPr>
+        <p:cNvPr id="1" name=""/>
+        <p:cNvGrpSpPr/>
+        <p:nvPr/>
+      </p:nvGrpSpPr>
+      <p:grpSpPr>
+        <a:xfrm>
+          <a:off x="0" y="0"/>
+          <a:ext cx="0" cy="0"/>
+          <a:chOff x="0" y="0"/>
+          <a:chExt cx="0" cy="0"/>
+        </a:xfrm>
+      </p:grpSpPr>
+      <p:sp>
+        <p:nvSpPr>
+          <p:cNvPr id="4" name="TextBox 3">
+            <a:extLst>
+              <a:ext uri="{FF2B5EF4-FFF2-40B4-BE49-F238E27FC236}">
+                <a16:creationId xmlns:a16="http://schemas.microsoft.com/office/drawing/2014/main" id="{1FAA8BE5-F9EE-D246-815B-B3C52BE8CBA4}"/>
+              </a:ext>
+            </a:extLst>
+          </p:cNvPr>
+          <p:cNvSpPr txBox="1"/>
+          <p:nvPr/>
+        </p:nvSpPr>
+        <p:spPr>
+          <a:xfrm>
+            <a:off x="0" y="6488668"/>
+            <a:ext cx="12192000" cy="369332"/>
+          </a:xfrm>
+          <a:prstGeom prst="rect">
+            <a:avLst/>
+          </a:prstGeom>
+          <a:noFill/>
+        </p:spPr>
+        <p:txBody>
+          <a:bodyPr wrap="square" rtlCol="0">
+            <a:spAutoFit/>
+          </a:bodyPr>
+          <a:lstStyle/>
+          <a:p>
+            <a:pPr algn="ctr"/>
+            <a:r>
+              <a:rPr lang="en-US" dirty="0" err="1"/>
+              <a:t>kadm@uw.edu</a:t>
+            </a:r>
+            <a:r>
+              <a:rPr lang="en-US" dirty="0"/>
+              <a:t>	@</a:t>
+            </a:r>
+            <a:r>
+              <a:rPr lang="en-US" dirty="0" err="1"/>
+              <a:t>kdillmcfarland</a:t>
+            </a:r>
+            <a:r>
+              <a:rPr lang="en-US" dirty="0"/>
+              <a:t>						Slides </a:t>
+            </a:r>
+            <a:r>
+              <a:rPr lang="en-US" dirty="0">
+                <a:hlinkClick r:id="rId2"/>
+              </a:rPr>
+              <a:t>https://tinyurl.com/yxz9llyu</a:t>
+            </a:r>
+            <a:endParaRPr lang="en-US" dirty="0"/>
+          </a:p>
+        </p:txBody>
+      </p:sp>
+      <p:pic>
+        <p:nvPicPr>
+          <p:cNvPr id="9" name="Picture 8">
+            <a:extLst>
+              <a:ext uri="{FF2B5EF4-FFF2-40B4-BE49-F238E27FC236}">
+                <a16:creationId xmlns:a16="http://schemas.microsoft.com/office/drawing/2014/main" id="{7F77C0A1-7AA5-7048-BB97-55D1261FE73D}"/>
+              </a:ext>
+            </a:extLst>
+          </p:cNvPr>
+          <p:cNvPicPr>
+            <a:picLocks noChangeAspect="1"/>
+          </p:cNvPicPr>
+          <p:nvPr/>
+        </p:nvPicPr>
+        <p:blipFill>
+          <a:blip r:embed="rId3"/>
+          <a:stretch>
+            <a:fillRect/>
+          </a:stretch>
+        </p:blipFill>
+        <p:spPr>
+          <a:xfrm>
+            <a:off x="3662749" y="0"/>
+            <a:ext cx="4866501" cy="6488668"/>
+          </a:xfrm>
+          <a:prstGeom prst="rect">
+            <a:avLst/>
+          </a:prstGeom>
+        </p:spPr>
+      </p:pic>
     </p:spTree>
     <p:extLst>
       <p:ext uri="{BB962C8B-B14F-4D97-AF65-F5344CB8AC3E}">
         <p14:creationId xmlns:p14="http://schemas.microsoft.com/office/powerpoint/2010/main" val="3398184243"/>
+      </p:ext>
+    </p:extLst>
+  </p:cSld>
+  <p:clrMapOvr>
+    <a:masterClrMapping/>
+  </p:clrMapOvr>
+</p:sld>
+</file>
+
+<file path=ppt/slides/slide5.xml><?xml version="1.0" encoding="utf-8"?>
+<p:sld xmlns:a="http://schemas.openxmlformats.org/drawingml/2006/main" xmlns:r="http://schemas.openxmlformats.org/officeDocument/2006/relationships" xmlns:p="http://schemas.openxmlformats.org/presentationml/2006/main">
+  <p:cSld>
+    <p:spTree>
+      <p:nvGrpSpPr>
+        <p:cNvPr id="1" name=""/>
+        <p:cNvGrpSpPr/>
+        <p:nvPr/>
+      </p:nvGrpSpPr>
+      <p:grpSpPr>
+        <a:xfrm>
+          <a:off x="0" y="0"/>
+          <a:ext cx="0" cy="0"/>
+          <a:chOff x="0" y="0"/>
+          <a:chExt cx="0" cy="0"/>
+        </a:xfrm>
+      </p:grpSpPr>
+      <p:sp>
+        <p:nvSpPr>
+          <p:cNvPr id="2" name="Title 1">
+            <a:extLst>
+              <a:ext uri="{FF2B5EF4-FFF2-40B4-BE49-F238E27FC236}">
+                <a16:creationId xmlns:a16="http://schemas.microsoft.com/office/drawing/2014/main" id="{3FC0A6EC-04AA-5B45-94C0-FF1C4EFEF1BA}"/>
+              </a:ext>
+            </a:extLst>
+          </p:cNvPr>
+          <p:cNvSpPr>
+            <a:spLocks noGrp="1"/>
+          </p:cNvSpPr>
+          <p:nvPr>
+            <p:ph type="title"/>
+          </p:nvPr>
+        </p:nvSpPr>
+        <p:spPr/>
+        <p:txBody>
+          <a:bodyPr/>
+          <a:lstStyle/>
+          <a:p>
+            <a:r>
+              <a:rPr lang="en-US" dirty="0"/>
+              <a:t>Distributed version control</a:t>
+            </a:r>
+          </a:p>
+        </p:txBody>
+      </p:sp>
+      <p:sp>
+        <p:nvSpPr>
+          <p:cNvPr id="3" name="Content Placeholder 2">
+            <a:extLst>
+              <a:ext uri="{FF2B5EF4-FFF2-40B4-BE49-F238E27FC236}">
+                <a16:creationId xmlns:a16="http://schemas.microsoft.com/office/drawing/2014/main" id="{82EC5F2A-B8D5-F442-A36B-5E8FE02E22DB}"/>
+              </a:ext>
+            </a:extLst>
+          </p:cNvPr>
+          <p:cNvSpPr>
+            <a:spLocks noGrp="1"/>
+          </p:cNvSpPr>
+          <p:nvPr>
+            <p:ph idx="1"/>
+          </p:nvPr>
+        </p:nvSpPr>
+        <p:spPr/>
+        <p:txBody>
+          <a:bodyPr/>
+          <a:lstStyle/>
+          <a:p>
+            <a:endParaRPr lang="en-US" dirty="0"/>
+          </a:p>
+          <a:p>
+            <a:r>
+              <a:rPr lang="en-US" dirty="0"/>
+              <a:t>Time-stamp</a:t>
+            </a:r>
+          </a:p>
+          <a:p>
+            <a:endParaRPr lang="en-US" dirty="0"/>
+          </a:p>
+          <a:p>
+            <a:r>
+              <a:rPr lang="en-US" dirty="0"/>
+              <a:t>Comment</a:t>
+            </a:r>
+          </a:p>
+          <a:p>
+            <a:endParaRPr lang="en-US" dirty="0"/>
+          </a:p>
+          <a:p>
+            <a:r>
+              <a:rPr lang="en-US" dirty="0"/>
+              <a:t>Author</a:t>
+            </a:r>
+          </a:p>
+          <a:p>
+            <a:pPr marL="0" indent="0">
+              <a:buNone/>
+            </a:pPr>
+            <a:endParaRPr lang="en-US" dirty="0"/>
+          </a:p>
+        </p:txBody>
+      </p:sp>
+      <p:sp>
+        <p:nvSpPr>
+          <p:cNvPr id="4" name="TextBox 3">
+            <a:extLst>
+              <a:ext uri="{FF2B5EF4-FFF2-40B4-BE49-F238E27FC236}">
+                <a16:creationId xmlns:a16="http://schemas.microsoft.com/office/drawing/2014/main" id="{1FAA8BE5-F9EE-D246-815B-B3C52BE8CBA4}"/>
+              </a:ext>
+            </a:extLst>
+          </p:cNvPr>
+          <p:cNvSpPr txBox="1"/>
+          <p:nvPr/>
+        </p:nvSpPr>
+        <p:spPr>
+          <a:xfrm>
+            <a:off x="0" y="6488668"/>
+            <a:ext cx="12192000" cy="369332"/>
+          </a:xfrm>
+          <a:prstGeom prst="rect">
+            <a:avLst/>
+          </a:prstGeom>
+          <a:noFill/>
+        </p:spPr>
+        <p:txBody>
+          <a:bodyPr wrap="square" rtlCol="0">
+            <a:spAutoFit/>
+          </a:bodyPr>
+          <a:lstStyle/>
+          <a:p>
+            <a:pPr algn="ctr"/>
+            <a:r>
+              <a:rPr lang="en-US" dirty="0" err="1"/>
+              <a:t>kadm@uw.edu</a:t>
+            </a:r>
+            <a:r>
+              <a:rPr lang="en-US" dirty="0"/>
+              <a:t>	@</a:t>
+            </a:r>
+            <a:r>
+              <a:rPr lang="en-US" dirty="0" err="1"/>
+              <a:t>kdillmcfarland</a:t>
+            </a:r>
+            <a:r>
+              <a:rPr lang="en-US" dirty="0"/>
+              <a:t>						Slides </a:t>
+            </a:r>
+            <a:r>
+              <a:rPr lang="en-US" dirty="0">
+                <a:hlinkClick r:id="rId2"/>
+              </a:rPr>
+              <a:t>https://tinyurl.com/yxz9llyu</a:t>
+            </a:r>
+            <a:endParaRPr lang="en-US" dirty="0"/>
+          </a:p>
+        </p:txBody>
+      </p:sp>
+    </p:spTree>
+    <p:extLst>
+      <p:ext uri="{BB962C8B-B14F-4D97-AF65-F5344CB8AC3E}">
+        <p14:creationId xmlns:p14="http://schemas.microsoft.com/office/powerpoint/2010/main" val="1212492001"/>
+      </p:ext>
+    </p:extLst>
+  </p:cSld>
+  <p:clrMapOvr>
+    <a:masterClrMapping/>
+  </p:clrMapOvr>
+</p:sld>
+</file>
+
+<file path=ppt/slides/slide6.xml><?xml version="1.0" encoding="utf-8"?>
+<p:sld xmlns:a="http://schemas.openxmlformats.org/drawingml/2006/main" xmlns:r="http://schemas.openxmlformats.org/officeDocument/2006/relationships" xmlns:p="http://schemas.openxmlformats.org/presentationml/2006/main">
+  <p:cSld>
+    <p:spTree>
+      <p:nvGrpSpPr>
+        <p:cNvPr id="1" name=""/>
+        <p:cNvGrpSpPr/>
+        <p:nvPr/>
+      </p:nvGrpSpPr>
+      <p:grpSpPr>
+        <a:xfrm>
+          <a:off x="0" y="0"/>
+          <a:ext cx="0" cy="0"/>
+          <a:chOff x="0" y="0"/>
+          <a:chExt cx="0" cy="0"/>
+        </a:xfrm>
+      </p:grpSpPr>
+      <p:sp>
+        <p:nvSpPr>
+          <p:cNvPr id="2" name="Title 1">
+            <a:extLst>
+              <a:ext uri="{FF2B5EF4-FFF2-40B4-BE49-F238E27FC236}">
+                <a16:creationId xmlns:a16="http://schemas.microsoft.com/office/drawing/2014/main" id="{3FC0A6EC-04AA-5B45-94C0-FF1C4EFEF1BA}"/>
+              </a:ext>
+            </a:extLst>
+          </p:cNvPr>
+          <p:cNvSpPr>
+            <a:spLocks noGrp="1"/>
+          </p:cNvSpPr>
+          <p:nvPr>
+            <p:ph type="title"/>
+          </p:nvPr>
+        </p:nvSpPr>
+        <p:spPr/>
+        <p:txBody>
+          <a:bodyPr/>
+          <a:lstStyle/>
+          <a:p>
+            <a:endParaRPr lang="en-US"/>
+          </a:p>
+        </p:txBody>
+      </p:sp>
+      <p:sp>
+        <p:nvSpPr>
+          <p:cNvPr id="3" name="Content Placeholder 2">
+            <a:extLst>
+              <a:ext uri="{FF2B5EF4-FFF2-40B4-BE49-F238E27FC236}">
+                <a16:creationId xmlns:a16="http://schemas.microsoft.com/office/drawing/2014/main" id="{82EC5F2A-B8D5-F442-A36B-5E8FE02E22DB}"/>
+              </a:ext>
+            </a:extLst>
+          </p:cNvPr>
+          <p:cNvSpPr>
+            <a:spLocks noGrp="1"/>
+          </p:cNvSpPr>
+          <p:nvPr>
+            <p:ph idx="1"/>
+          </p:nvPr>
+        </p:nvSpPr>
+        <p:spPr/>
+        <p:txBody>
+          <a:bodyPr/>
+          <a:lstStyle/>
+          <a:p>
+            <a:endParaRPr lang="en-US"/>
+          </a:p>
+        </p:txBody>
+      </p:sp>
+      <p:sp>
+        <p:nvSpPr>
+          <p:cNvPr id="4" name="TextBox 3">
+            <a:extLst>
+              <a:ext uri="{FF2B5EF4-FFF2-40B4-BE49-F238E27FC236}">
+                <a16:creationId xmlns:a16="http://schemas.microsoft.com/office/drawing/2014/main" id="{1FAA8BE5-F9EE-D246-815B-B3C52BE8CBA4}"/>
+              </a:ext>
+            </a:extLst>
+          </p:cNvPr>
+          <p:cNvSpPr txBox="1"/>
+          <p:nvPr/>
+        </p:nvSpPr>
+        <p:spPr>
+          <a:xfrm>
+            <a:off x="0" y="6488668"/>
+            <a:ext cx="12192000" cy="369332"/>
+          </a:xfrm>
+          <a:prstGeom prst="rect">
+            <a:avLst/>
+          </a:prstGeom>
+          <a:noFill/>
+        </p:spPr>
+        <p:txBody>
+          <a:bodyPr wrap="square" rtlCol="0">
+            <a:spAutoFit/>
+          </a:bodyPr>
+          <a:lstStyle/>
+          <a:p>
+            <a:pPr algn="ctr"/>
+            <a:r>
+              <a:rPr lang="en-US" dirty="0" err="1"/>
+              <a:t>kadm@uw.edu</a:t>
+            </a:r>
+            <a:r>
+              <a:rPr lang="en-US" dirty="0"/>
+              <a:t>	@</a:t>
+            </a:r>
+            <a:r>
+              <a:rPr lang="en-US" dirty="0" err="1"/>
+              <a:t>kdillmcfarland</a:t>
+            </a:r>
+            <a:r>
+              <a:rPr lang="en-US" dirty="0"/>
+              <a:t>						Slides </a:t>
+            </a:r>
+            <a:r>
+              <a:rPr lang="en-US" dirty="0">
+                <a:hlinkClick r:id="rId2"/>
+              </a:rPr>
+              <a:t>https://tinyurl.com/yxz9llyu</a:t>
+            </a:r>
+            <a:endParaRPr lang="en-US" dirty="0"/>
+          </a:p>
+        </p:txBody>
+      </p:sp>
+    </p:spTree>
+    <p:extLst>
+      <p:ext uri="{BB962C8B-B14F-4D97-AF65-F5344CB8AC3E}">
+        <p14:creationId xmlns:p14="http://schemas.microsoft.com/office/powerpoint/2010/main" val="4246656495"/>
+      </p:ext>
+    </p:extLst>
+  </p:cSld>
+  <p:clrMapOvr>
+    <a:masterClrMapping/>
+  </p:clrMapOvr>
+</p:sld>
+</file>
+
+<file path=ppt/slides/slide7.xml><?xml version="1.0" encoding="utf-8"?>
+<p:sld xmlns:a="http://schemas.openxmlformats.org/drawingml/2006/main" xmlns:r="http://schemas.openxmlformats.org/officeDocument/2006/relationships" xmlns:p="http://schemas.openxmlformats.org/presentationml/2006/main">
+  <p:cSld>
+    <p:spTree>
+      <p:nvGrpSpPr>
+        <p:cNvPr id="1" name=""/>
+        <p:cNvGrpSpPr/>
+        <p:nvPr/>
+      </p:nvGrpSpPr>
+      <p:grpSpPr>
+        <a:xfrm>
+          <a:off x="0" y="0"/>
+          <a:ext cx="0" cy="0"/>
+          <a:chOff x="0" y="0"/>
+          <a:chExt cx="0" cy="0"/>
+        </a:xfrm>
+      </p:grpSpPr>
+      <p:sp>
+        <p:nvSpPr>
+          <p:cNvPr id="2" name="Title 1">
+            <a:extLst>
+              <a:ext uri="{FF2B5EF4-FFF2-40B4-BE49-F238E27FC236}">
+                <a16:creationId xmlns:a16="http://schemas.microsoft.com/office/drawing/2014/main" id="{3FC0A6EC-04AA-5B45-94C0-FF1C4EFEF1BA}"/>
+              </a:ext>
+            </a:extLst>
+          </p:cNvPr>
+          <p:cNvSpPr>
+            <a:spLocks noGrp="1"/>
+          </p:cNvSpPr>
+          <p:nvPr>
+            <p:ph type="title"/>
+          </p:nvPr>
+        </p:nvSpPr>
+        <p:spPr/>
+        <p:txBody>
+          <a:bodyPr/>
+          <a:lstStyle/>
+          <a:p>
+            <a:endParaRPr lang="en-US"/>
+          </a:p>
+        </p:txBody>
+      </p:sp>
+      <p:sp>
+        <p:nvSpPr>
+          <p:cNvPr id="3" name="Content Placeholder 2">
+            <a:extLst>
+              <a:ext uri="{FF2B5EF4-FFF2-40B4-BE49-F238E27FC236}">
+                <a16:creationId xmlns:a16="http://schemas.microsoft.com/office/drawing/2014/main" id="{82EC5F2A-B8D5-F442-A36B-5E8FE02E22DB}"/>
+              </a:ext>
+            </a:extLst>
+          </p:cNvPr>
+          <p:cNvSpPr>
+            <a:spLocks noGrp="1"/>
+          </p:cNvSpPr>
+          <p:nvPr>
+            <p:ph idx="1"/>
+          </p:nvPr>
+        </p:nvSpPr>
+        <p:spPr/>
+        <p:txBody>
+          <a:bodyPr/>
+          <a:lstStyle/>
+          <a:p>
+            <a:endParaRPr lang="en-US"/>
+          </a:p>
+        </p:txBody>
+      </p:sp>
+      <p:sp>
+        <p:nvSpPr>
+          <p:cNvPr id="4" name="TextBox 3">
+            <a:extLst>
+              <a:ext uri="{FF2B5EF4-FFF2-40B4-BE49-F238E27FC236}">
+                <a16:creationId xmlns:a16="http://schemas.microsoft.com/office/drawing/2014/main" id="{1FAA8BE5-F9EE-D246-815B-B3C52BE8CBA4}"/>
+              </a:ext>
+            </a:extLst>
+          </p:cNvPr>
+          <p:cNvSpPr txBox="1"/>
+          <p:nvPr/>
+        </p:nvSpPr>
+        <p:spPr>
+          <a:xfrm>
+            <a:off x="0" y="6488668"/>
+            <a:ext cx="12192000" cy="369332"/>
+          </a:xfrm>
+          <a:prstGeom prst="rect">
+            <a:avLst/>
+          </a:prstGeom>
+          <a:noFill/>
+        </p:spPr>
+        <p:txBody>
+          <a:bodyPr wrap="square" rtlCol="0">
+            <a:spAutoFit/>
+          </a:bodyPr>
+          <a:lstStyle/>
+          <a:p>
+            <a:pPr algn="ctr"/>
+            <a:r>
+              <a:rPr lang="en-US" dirty="0" err="1"/>
+              <a:t>kadm@uw.edu</a:t>
+            </a:r>
+            <a:r>
+              <a:rPr lang="en-US" dirty="0"/>
+              <a:t>	@</a:t>
+            </a:r>
+            <a:r>
+              <a:rPr lang="en-US" dirty="0" err="1"/>
+              <a:t>kdillmcfarland</a:t>
+            </a:r>
+            <a:r>
+              <a:rPr lang="en-US" dirty="0"/>
+              <a:t>						Slides </a:t>
+            </a:r>
+            <a:r>
+              <a:rPr lang="en-US" dirty="0">
+                <a:hlinkClick r:id="rId2"/>
+              </a:rPr>
+              <a:t>https://tinyurl.com/yxz9llyu</a:t>
+            </a:r>
+            <a:endParaRPr lang="en-US" dirty="0"/>
+          </a:p>
+        </p:txBody>
+      </p:sp>
+    </p:spTree>
+    <p:extLst>
+      <p:ext uri="{BB962C8B-B14F-4D97-AF65-F5344CB8AC3E}">
+        <p14:creationId xmlns:p14="http://schemas.microsoft.com/office/powerpoint/2010/main" val="1326476252"/>
+      </p:ext>
+    </p:extLst>
+  </p:cSld>
+  <p:clrMapOvr>
+    <a:masterClrMapping/>
+  </p:clrMapOvr>
+</p:sld>
+</file>
+
+<file path=ppt/slides/slide8.xml><?xml version="1.0" encoding="utf-8"?>
+<p:sld xmlns:a="http://schemas.openxmlformats.org/drawingml/2006/main" xmlns:r="http://schemas.openxmlformats.org/officeDocument/2006/relationships" xmlns:p="http://schemas.openxmlformats.org/presentationml/2006/main">
+  <p:cSld>
+    <p:spTree>
+      <p:nvGrpSpPr>
+        <p:cNvPr id="1" name=""/>
+        <p:cNvGrpSpPr/>
+        <p:nvPr/>
+      </p:nvGrpSpPr>
+      <p:grpSpPr>
+        <a:xfrm>
+          <a:off x="0" y="0"/>
+          <a:ext cx="0" cy="0"/>
+          <a:chOff x="0" y="0"/>
+          <a:chExt cx="0" cy="0"/>
+        </a:xfrm>
+      </p:grpSpPr>
+      <p:sp>
+        <p:nvSpPr>
+          <p:cNvPr id="2" name="Title 1">
+            <a:extLst>
+              <a:ext uri="{FF2B5EF4-FFF2-40B4-BE49-F238E27FC236}">
+                <a16:creationId xmlns:a16="http://schemas.microsoft.com/office/drawing/2014/main" id="{3FC0A6EC-04AA-5B45-94C0-FF1C4EFEF1BA}"/>
+              </a:ext>
+            </a:extLst>
+          </p:cNvPr>
+          <p:cNvSpPr>
+            <a:spLocks noGrp="1"/>
+          </p:cNvSpPr>
+          <p:nvPr>
+            <p:ph type="title"/>
+          </p:nvPr>
+        </p:nvSpPr>
+        <p:spPr/>
+        <p:txBody>
+          <a:bodyPr/>
+          <a:lstStyle/>
+          <a:p>
+            <a:endParaRPr lang="en-US"/>
+          </a:p>
+        </p:txBody>
+      </p:sp>
+      <p:sp>
+        <p:nvSpPr>
+          <p:cNvPr id="3" name="Content Placeholder 2">
+            <a:extLst>
+              <a:ext uri="{FF2B5EF4-FFF2-40B4-BE49-F238E27FC236}">
+                <a16:creationId xmlns:a16="http://schemas.microsoft.com/office/drawing/2014/main" id="{82EC5F2A-B8D5-F442-A36B-5E8FE02E22DB}"/>
+              </a:ext>
+            </a:extLst>
+          </p:cNvPr>
+          <p:cNvSpPr>
+            <a:spLocks noGrp="1"/>
+          </p:cNvSpPr>
+          <p:nvPr>
+            <p:ph idx="1"/>
+          </p:nvPr>
+        </p:nvSpPr>
+        <p:spPr/>
+        <p:txBody>
+          <a:bodyPr/>
+          <a:lstStyle/>
+          <a:p>
+            <a:endParaRPr lang="en-US"/>
+          </a:p>
+        </p:txBody>
+      </p:sp>
+      <p:sp>
+        <p:nvSpPr>
+          <p:cNvPr id="4" name="TextBox 3">
+            <a:extLst>
+              <a:ext uri="{FF2B5EF4-FFF2-40B4-BE49-F238E27FC236}">
+                <a16:creationId xmlns:a16="http://schemas.microsoft.com/office/drawing/2014/main" id="{1FAA8BE5-F9EE-D246-815B-B3C52BE8CBA4}"/>
+              </a:ext>
+            </a:extLst>
+          </p:cNvPr>
+          <p:cNvSpPr txBox="1"/>
+          <p:nvPr/>
+        </p:nvSpPr>
+        <p:spPr>
+          <a:xfrm>
+            <a:off x="0" y="6488668"/>
+            <a:ext cx="12192000" cy="369332"/>
+          </a:xfrm>
+          <a:prstGeom prst="rect">
+            <a:avLst/>
+          </a:prstGeom>
+          <a:noFill/>
+        </p:spPr>
+        <p:txBody>
+          <a:bodyPr wrap="square" rtlCol="0">
+            <a:spAutoFit/>
+          </a:bodyPr>
+          <a:lstStyle/>
+          <a:p>
+            <a:pPr algn="ctr"/>
+            <a:r>
+              <a:rPr lang="en-US" dirty="0" err="1"/>
+              <a:t>kadm@uw.edu</a:t>
+            </a:r>
+            <a:r>
+              <a:rPr lang="en-US" dirty="0"/>
+              <a:t>	@</a:t>
+            </a:r>
+            <a:r>
+              <a:rPr lang="en-US" dirty="0" err="1"/>
+              <a:t>kdillmcfarland</a:t>
+            </a:r>
+            <a:r>
+              <a:rPr lang="en-US" dirty="0"/>
+              <a:t>						Slides </a:t>
+            </a:r>
+            <a:r>
+              <a:rPr lang="en-US" dirty="0">
+                <a:hlinkClick r:id="rId2"/>
+              </a:rPr>
+              <a:t>https://tinyurl.com/yxz9llyu</a:t>
+            </a:r>
+            <a:endParaRPr lang="en-US" dirty="0"/>
+          </a:p>
+        </p:txBody>
+      </p:sp>
+    </p:spTree>
+    <p:extLst>
+      <p:ext uri="{BB962C8B-B14F-4D97-AF65-F5344CB8AC3E}">
+        <p14:creationId xmlns:p14="http://schemas.microsoft.com/office/powerpoint/2010/main" val="1141747473"/>
+      </p:ext>
+    </p:extLst>
+  </p:cSld>
+  <p:clrMapOvr>
+    <a:masterClrMapping/>
+  </p:clrMapOvr>
+</p:sld>
+</file>
+
+<file path=ppt/slides/slide9.xml><?xml version="1.0" encoding="utf-8"?>
+<p:sld xmlns:a="http://schemas.openxmlformats.org/drawingml/2006/main" xmlns:r="http://schemas.openxmlformats.org/officeDocument/2006/relationships" xmlns:p="http://schemas.openxmlformats.org/presentationml/2006/main">
+  <p:cSld>
+    <p:spTree>
+      <p:nvGrpSpPr>
+        <p:cNvPr id="1" name=""/>
+        <p:cNvGrpSpPr/>
+        <p:nvPr/>
+      </p:nvGrpSpPr>
+      <p:grpSpPr>
+        <a:xfrm>
+          <a:off x="0" y="0"/>
+          <a:ext cx="0" cy="0"/>
+          <a:chOff x="0" y="0"/>
+          <a:chExt cx="0" cy="0"/>
+        </a:xfrm>
+      </p:grpSpPr>
+      <p:sp>
+        <p:nvSpPr>
+          <p:cNvPr id="2" name="Title 1">
+            <a:extLst>
+              <a:ext uri="{FF2B5EF4-FFF2-40B4-BE49-F238E27FC236}">
+                <a16:creationId xmlns:a16="http://schemas.microsoft.com/office/drawing/2014/main" id="{3FC0A6EC-04AA-5B45-94C0-FF1C4EFEF1BA}"/>
+              </a:ext>
+            </a:extLst>
+          </p:cNvPr>
+          <p:cNvSpPr>
+            <a:spLocks noGrp="1"/>
+          </p:cNvSpPr>
+          <p:nvPr>
+            <p:ph type="title"/>
+          </p:nvPr>
+        </p:nvSpPr>
+        <p:spPr/>
+        <p:txBody>
+          <a:bodyPr/>
+          <a:lstStyle/>
+          <a:p>
+            <a:endParaRPr lang="en-US"/>
+          </a:p>
+        </p:txBody>
+      </p:sp>
+      <p:sp>
+        <p:nvSpPr>
+          <p:cNvPr id="3" name="Content Placeholder 2">
+            <a:extLst>
+              <a:ext uri="{FF2B5EF4-FFF2-40B4-BE49-F238E27FC236}">
+                <a16:creationId xmlns:a16="http://schemas.microsoft.com/office/drawing/2014/main" id="{82EC5F2A-B8D5-F442-A36B-5E8FE02E22DB}"/>
+              </a:ext>
+            </a:extLst>
+          </p:cNvPr>
+          <p:cNvSpPr>
+            <a:spLocks noGrp="1"/>
+          </p:cNvSpPr>
+          <p:nvPr>
+            <p:ph idx="1"/>
+          </p:nvPr>
+        </p:nvSpPr>
+        <p:spPr/>
+        <p:txBody>
+          <a:bodyPr/>
+          <a:lstStyle/>
+          <a:p>
+            <a:endParaRPr lang="en-US"/>
+          </a:p>
+        </p:txBody>
+      </p:sp>
+      <p:sp>
+        <p:nvSpPr>
+          <p:cNvPr id="4" name="TextBox 3">
+            <a:extLst>
+              <a:ext uri="{FF2B5EF4-FFF2-40B4-BE49-F238E27FC236}">
+                <a16:creationId xmlns:a16="http://schemas.microsoft.com/office/drawing/2014/main" id="{1FAA8BE5-F9EE-D246-815B-B3C52BE8CBA4}"/>
+              </a:ext>
+            </a:extLst>
+          </p:cNvPr>
+          <p:cNvSpPr txBox="1"/>
+          <p:nvPr/>
+        </p:nvSpPr>
+        <p:spPr>
+          <a:xfrm>
+            <a:off x="0" y="6488668"/>
+            <a:ext cx="12192000" cy="369332"/>
+          </a:xfrm>
+          <a:prstGeom prst="rect">
+            <a:avLst/>
+          </a:prstGeom>
+          <a:noFill/>
+        </p:spPr>
+        <p:txBody>
+          <a:bodyPr wrap="square" rtlCol="0">
+            <a:spAutoFit/>
+          </a:bodyPr>
+          <a:lstStyle/>
+          <a:p>
+            <a:pPr algn="ctr"/>
+            <a:r>
+              <a:rPr lang="en-US" dirty="0" err="1"/>
+              <a:t>kadm@uw.edu</a:t>
+            </a:r>
+            <a:r>
+              <a:rPr lang="en-US" dirty="0"/>
+              <a:t>	@</a:t>
+            </a:r>
+            <a:r>
+              <a:rPr lang="en-US" dirty="0" err="1"/>
+              <a:t>kdillmcfarland</a:t>
+            </a:r>
+            <a:r>
+              <a:rPr lang="en-US" dirty="0"/>
+              <a:t>						Slides </a:t>
+            </a:r>
+            <a:r>
+              <a:rPr lang="en-US" dirty="0">
+                <a:hlinkClick r:id="rId2"/>
+              </a:rPr>
+              <a:t>https://tinyurl.com/yxz9llyu</a:t>
+            </a:r>
+            <a:endParaRPr lang="en-US" dirty="0"/>
+          </a:p>
+        </p:txBody>
+      </p:sp>
+    </p:spTree>
+    <p:extLst>
+      <p:ext uri="{BB962C8B-B14F-4D97-AF65-F5344CB8AC3E}">
+        <p14:creationId xmlns:p14="http://schemas.microsoft.com/office/powerpoint/2010/main" val="3050399067"/>
       </p:ext>
     </p:extLst>
   </p:cSld>

--- a/2021.01.14_git/2020.01.14_git.pptx
+++ b/2021.01.14_git/2020.01.14_git.pptx
@@ -4,15 +4,18 @@
   <p:sldMasterIdLst>
     <p:sldMasterId id="2147483648" r:id="rId1"/>
   </p:sldMasterIdLst>
+  <p:notesMasterIdLst>
+    <p:notesMasterId r:id="rId12"/>
+  </p:notesMasterIdLst>
   <p:sldIdLst>
     <p:sldId id="256" r:id="rId2"/>
     <p:sldId id="257" r:id="rId3"/>
     <p:sldId id="259" r:id="rId4"/>
     <p:sldId id="258" r:id="rId5"/>
     <p:sldId id="260" r:id="rId6"/>
-    <p:sldId id="263" r:id="rId7"/>
-    <p:sldId id="264" r:id="rId8"/>
-    <p:sldId id="265" r:id="rId9"/>
+    <p:sldId id="261" r:id="rId7"/>
+    <p:sldId id="262" r:id="rId8"/>
+    <p:sldId id="263" r:id="rId9"/>
     <p:sldId id="266" r:id="rId10"/>
     <p:sldId id="267" r:id="rId11"/>
   </p:sldIdLst>
@@ -119,6 +122,355 @@
     </p:ext>
   </p:extLst>
 </p:presentation>
+</file>
+
+<file path=ppt/notesMasters/notesMaster1.xml><?xml version="1.0" encoding="utf-8"?>
+<p:notesMaster xmlns:a="http://schemas.openxmlformats.org/drawingml/2006/main" xmlns:r="http://schemas.openxmlformats.org/officeDocument/2006/relationships" xmlns:p="http://schemas.openxmlformats.org/presentationml/2006/main">
+  <p:cSld>
+    <p:bg>
+      <p:bgRef idx="1001">
+        <a:schemeClr val="bg1"/>
+      </p:bgRef>
+    </p:bg>
+    <p:spTree>
+      <p:nvGrpSpPr>
+        <p:cNvPr id="1" name=""/>
+        <p:cNvGrpSpPr/>
+        <p:nvPr/>
+      </p:nvGrpSpPr>
+      <p:grpSpPr>
+        <a:xfrm>
+          <a:off x="0" y="0"/>
+          <a:ext cx="0" cy="0"/>
+          <a:chOff x="0" y="0"/>
+          <a:chExt cx="0" cy="0"/>
+        </a:xfrm>
+      </p:grpSpPr>
+      <p:sp>
+        <p:nvSpPr>
+          <p:cNvPr id="2" name="Header Placeholder 1"/>
+          <p:cNvSpPr>
+            <a:spLocks noGrp="1"/>
+          </p:cNvSpPr>
+          <p:nvPr>
+            <p:ph type="hdr" sz="quarter"/>
+          </p:nvPr>
+        </p:nvSpPr>
+        <p:spPr>
+          <a:xfrm>
+            <a:off x="0" y="0"/>
+            <a:ext cx="2971800" cy="458788"/>
+          </a:xfrm>
+          <a:prstGeom prst="rect">
+            <a:avLst/>
+          </a:prstGeom>
+        </p:spPr>
+        <p:txBody>
+          <a:bodyPr vert="horz" lIns="91440" tIns="45720" rIns="91440" bIns="45720" rtlCol="0"/>
+          <a:lstStyle>
+            <a:lvl1pPr algn="l">
+              <a:defRPr sz="1200"/>
+            </a:lvl1pPr>
+          </a:lstStyle>
+          <a:p>
+            <a:endParaRPr lang="en-US"/>
+          </a:p>
+        </p:txBody>
+      </p:sp>
+      <p:sp>
+        <p:nvSpPr>
+          <p:cNvPr id="3" name="Date Placeholder 2"/>
+          <p:cNvSpPr>
+            <a:spLocks noGrp="1"/>
+          </p:cNvSpPr>
+          <p:nvPr>
+            <p:ph type="dt" idx="1"/>
+          </p:nvPr>
+        </p:nvSpPr>
+        <p:spPr>
+          <a:xfrm>
+            <a:off x="3884613" y="0"/>
+            <a:ext cx="2971800" cy="458788"/>
+          </a:xfrm>
+          <a:prstGeom prst="rect">
+            <a:avLst/>
+          </a:prstGeom>
+        </p:spPr>
+        <p:txBody>
+          <a:bodyPr vert="horz" lIns="91440" tIns="45720" rIns="91440" bIns="45720" rtlCol="0"/>
+          <a:lstStyle>
+            <a:lvl1pPr algn="r">
+              <a:defRPr sz="1200"/>
+            </a:lvl1pPr>
+          </a:lstStyle>
+          <a:p>
+            <a:fld id="{4B463ACF-AABD-2347-8593-F47F3F52EA6C}" type="datetimeFigureOut">
+              <a:rPr lang="en-US" smtClean="0"/>
+              <a:t>1/13/21</a:t>
+            </a:fld>
+            <a:endParaRPr lang="en-US"/>
+          </a:p>
+        </p:txBody>
+      </p:sp>
+      <p:sp>
+        <p:nvSpPr>
+          <p:cNvPr id="4" name="Slide Image Placeholder 3"/>
+          <p:cNvSpPr>
+            <a:spLocks noGrp="1" noRot="1" noChangeAspect="1"/>
+          </p:cNvSpPr>
+          <p:nvPr>
+            <p:ph type="sldImg" idx="2"/>
+          </p:nvPr>
+        </p:nvSpPr>
+        <p:spPr>
+          <a:xfrm>
+            <a:off x="685800" y="1143000"/>
+            <a:ext cx="5486400" cy="3086100"/>
+          </a:xfrm>
+          <a:prstGeom prst="rect">
+            <a:avLst/>
+          </a:prstGeom>
+          <a:noFill/>
+          <a:ln w="12700">
+            <a:solidFill>
+              <a:prstClr val="black"/>
+            </a:solidFill>
+          </a:ln>
+        </p:spPr>
+        <p:txBody>
+          <a:bodyPr vert="horz" lIns="91440" tIns="45720" rIns="91440" bIns="45720" rtlCol="0" anchor="ctr"/>
+          <a:lstStyle/>
+          <a:p>
+            <a:endParaRPr lang="en-US"/>
+          </a:p>
+        </p:txBody>
+      </p:sp>
+      <p:sp>
+        <p:nvSpPr>
+          <p:cNvPr id="5" name="Notes Placeholder 4"/>
+          <p:cNvSpPr>
+            <a:spLocks noGrp="1"/>
+          </p:cNvSpPr>
+          <p:nvPr>
+            <p:ph type="body" sz="quarter" idx="3"/>
+          </p:nvPr>
+        </p:nvSpPr>
+        <p:spPr>
+          <a:xfrm>
+            <a:off x="685800" y="4400550"/>
+            <a:ext cx="5486400" cy="3600450"/>
+          </a:xfrm>
+          <a:prstGeom prst="rect">
+            <a:avLst/>
+          </a:prstGeom>
+        </p:spPr>
+        <p:txBody>
+          <a:bodyPr vert="horz" lIns="91440" tIns="45720" rIns="91440" bIns="45720" rtlCol="0"/>
+          <a:lstStyle/>
+          <a:p>
+            <a:pPr lvl="0"/>
+            <a:r>
+              <a:rPr lang="en-US"/>
+              <a:t>Click to edit Master text styles</a:t>
+            </a:r>
+          </a:p>
+          <a:p>
+            <a:pPr lvl="1"/>
+            <a:r>
+              <a:rPr lang="en-US"/>
+              <a:t>Second level</a:t>
+            </a:r>
+          </a:p>
+          <a:p>
+            <a:pPr lvl="2"/>
+            <a:r>
+              <a:rPr lang="en-US"/>
+              <a:t>Third level</a:t>
+            </a:r>
+          </a:p>
+          <a:p>
+            <a:pPr lvl="3"/>
+            <a:r>
+              <a:rPr lang="en-US"/>
+              <a:t>Fourth level</a:t>
+            </a:r>
+          </a:p>
+          <a:p>
+            <a:pPr lvl="4"/>
+            <a:r>
+              <a:rPr lang="en-US"/>
+              <a:t>Fifth level</a:t>
+            </a:r>
+          </a:p>
+        </p:txBody>
+      </p:sp>
+      <p:sp>
+        <p:nvSpPr>
+          <p:cNvPr id="6" name="Footer Placeholder 5"/>
+          <p:cNvSpPr>
+            <a:spLocks noGrp="1"/>
+          </p:cNvSpPr>
+          <p:nvPr>
+            <p:ph type="ftr" sz="quarter" idx="4"/>
+          </p:nvPr>
+        </p:nvSpPr>
+        <p:spPr>
+          <a:xfrm>
+            <a:off x="0" y="8685213"/>
+            <a:ext cx="2971800" cy="458787"/>
+          </a:xfrm>
+          <a:prstGeom prst="rect">
+            <a:avLst/>
+          </a:prstGeom>
+        </p:spPr>
+        <p:txBody>
+          <a:bodyPr vert="horz" lIns="91440" tIns="45720" rIns="91440" bIns="45720" rtlCol="0" anchor="b"/>
+          <a:lstStyle>
+            <a:lvl1pPr algn="l">
+              <a:defRPr sz="1200"/>
+            </a:lvl1pPr>
+          </a:lstStyle>
+          <a:p>
+            <a:endParaRPr lang="en-US"/>
+          </a:p>
+        </p:txBody>
+      </p:sp>
+      <p:sp>
+        <p:nvSpPr>
+          <p:cNvPr id="7" name="Slide Number Placeholder 6"/>
+          <p:cNvSpPr>
+            <a:spLocks noGrp="1"/>
+          </p:cNvSpPr>
+          <p:nvPr>
+            <p:ph type="sldNum" sz="quarter" idx="5"/>
+          </p:nvPr>
+        </p:nvSpPr>
+        <p:spPr>
+          <a:xfrm>
+            <a:off x="3884613" y="8685213"/>
+            <a:ext cx="2971800" cy="458787"/>
+          </a:xfrm>
+          <a:prstGeom prst="rect">
+            <a:avLst/>
+          </a:prstGeom>
+        </p:spPr>
+        <p:txBody>
+          <a:bodyPr vert="horz" lIns="91440" tIns="45720" rIns="91440" bIns="45720" rtlCol="0" anchor="b"/>
+          <a:lstStyle>
+            <a:lvl1pPr algn="r">
+              <a:defRPr sz="1200"/>
+            </a:lvl1pPr>
+          </a:lstStyle>
+          <a:p>
+            <a:fld id="{7149579C-B5E8-0E42-854A-0AA7B389972E}" type="slidenum">
+              <a:rPr lang="en-US" smtClean="0"/>
+              <a:t>‹#›</a:t>
+            </a:fld>
+            <a:endParaRPr lang="en-US"/>
+          </a:p>
+        </p:txBody>
+      </p:sp>
+    </p:spTree>
+    <p:extLst>
+      <p:ext uri="{BB962C8B-B14F-4D97-AF65-F5344CB8AC3E}">
+        <p14:creationId xmlns:p14="http://schemas.microsoft.com/office/powerpoint/2010/main" val="4157128964"/>
+      </p:ext>
+    </p:extLst>
+  </p:cSld>
+  <p:clrMap bg1="lt1" tx1="dk1" bg2="lt2" tx2="dk2" accent1="accent1" accent2="accent2" accent3="accent3" accent4="accent4" accent5="accent5" accent6="accent6" hlink="hlink" folHlink="folHlink"/>
+  <p:notesStyle>
+    <a:lvl1pPr marL="0" algn="l" defTabSz="914400" rtl="0" eaLnBrk="1" latinLnBrk="0" hangingPunct="1">
+      <a:defRPr sz="1200" kern="1200">
+        <a:solidFill>
+          <a:schemeClr val="tx1"/>
+        </a:solidFill>
+        <a:latin typeface="+mn-lt"/>
+        <a:ea typeface="+mn-ea"/>
+        <a:cs typeface="+mn-cs"/>
+      </a:defRPr>
+    </a:lvl1pPr>
+    <a:lvl2pPr marL="457200" algn="l" defTabSz="914400" rtl="0" eaLnBrk="1" latinLnBrk="0" hangingPunct="1">
+      <a:defRPr sz="1200" kern="1200">
+        <a:solidFill>
+          <a:schemeClr val="tx1"/>
+        </a:solidFill>
+        <a:latin typeface="+mn-lt"/>
+        <a:ea typeface="+mn-ea"/>
+        <a:cs typeface="+mn-cs"/>
+      </a:defRPr>
+    </a:lvl2pPr>
+    <a:lvl3pPr marL="914400" algn="l" defTabSz="914400" rtl="0" eaLnBrk="1" latinLnBrk="0" hangingPunct="1">
+      <a:defRPr sz="1200" kern="1200">
+        <a:solidFill>
+          <a:schemeClr val="tx1"/>
+        </a:solidFill>
+        <a:latin typeface="+mn-lt"/>
+        <a:ea typeface="+mn-ea"/>
+        <a:cs typeface="+mn-cs"/>
+      </a:defRPr>
+    </a:lvl3pPr>
+    <a:lvl4pPr marL="1371600" algn="l" defTabSz="914400" rtl="0" eaLnBrk="1" latinLnBrk="0" hangingPunct="1">
+      <a:defRPr sz="1200" kern="1200">
+        <a:solidFill>
+          <a:schemeClr val="tx1"/>
+        </a:solidFill>
+        <a:latin typeface="+mn-lt"/>
+        <a:ea typeface="+mn-ea"/>
+        <a:cs typeface="+mn-cs"/>
+      </a:defRPr>
+    </a:lvl4pPr>
+    <a:lvl5pPr marL="1828800" algn="l" defTabSz="914400" rtl="0" eaLnBrk="1" latinLnBrk="0" hangingPunct="1">
+      <a:defRPr sz="1200" kern="1200">
+        <a:solidFill>
+          <a:schemeClr val="tx1"/>
+        </a:solidFill>
+        <a:latin typeface="+mn-lt"/>
+        <a:ea typeface="+mn-ea"/>
+        <a:cs typeface="+mn-cs"/>
+      </a:defRPr>
+    </a:lvl5pPr>
+    <a:lvl6pPr marL="2286000" algn="l" defTabSz="914400" rtl="0" eaLnBrk="1" latinLnBrk="0" hangingPunct="1">
+      <a:defRPr sz="1200" kern="1200">
+        <a:solidFill>
+          <a:schemeClr val="tx1"/>
+        </a:solidFill>
+        <a:latin typeface="+mn-lt"/>
+        <a:ea typeface="+mn-ea"/>
+        <a:cs typeface="+mn-cs"/>
+      </a:defRPr>
+    </a:lvl6pPr>
+    <a:lvl7pPr marL="2743200" algn="l" defTabSz="914400" rtl="0" eaLnBrk="1" latinLnBrk="0" hangingPunct="1">
+      <a:defRPr sz="1200" kern="1200">
+        <a:solidFill>
+          <a:schemeClr val="tx1"/>
+        </a:solidFill>
+        <a:latin typeface="+mn-lt"/>
+        <a:ea typeface="+mn-ea"/>
+        <a:cs typeface="+mn-cs"/>
+      </a:defRPr>
+    </a:lvl7pPr>
+    <a:lvl8pPr marL="3200400" algn="l" defTabSz="914400" rtl="0" eaLnBrk="1" latinLnBrk="0" hangingPunct="1">
+      <a:defRPr sz="1200" kern="1200">
+        <a:solidFill>
+          <a:schemeClr val="tx1"/>
+        </a:solidFill>
+        <a:latin typeface="+mn-lt"/>
+        <a:ea typeface="+mn-ea"/>
+        <a:cs typeface="+mn-cs"/>
+      </a:defRPr>
+    </a:lvl8pPr>
+    <a:lvl9pPr marL="3657600" algn="l" defTabSz="914400" rtl="0" eaLnBrk="1" latinLnBrk="0" hangingPunct="1">
+      <a:defRPr sz="1200" kern="1200">
+        <a:solidFill>
+          <a:schemeClr val="tx1"/>
+        </a:solidFill>
+        <a:latin typeface="+mn-lt"/>
+        <a:ea typeface="+mn-ea"/>
+        <a:cs typeface="+mn-cs"/>
+      </a:defRPr>
+    </a:lvl9pPr>
+  </p:notesStyle>
+</p:notesMaster>
 </file>
 
 <file path=ppt/slideLayouts/slideLayout1.xml><?xml version="1.0" encoding="utf-8"?>
@@ -4280,35 +4632,41 @@
           <a:bodyPr/>
           <a:lstStyle/>
           <a:p>
-            <a:endParaRPr lang="en-US"/>
-          </a:p>
-        </p:txBody>
-      </p:sp>
-      <p:sp>
-        <p:nvSpPr>
-          <p:cNvPr id="3" name="Content Placeholder 2">
-            <a:extLst>
-              <a:ext uri="{FF2B5EF4-FFF2-40B4-BE49-F238E27FC236}">
-                <a16:creationId xmlns:a16="http://schemas.microsoft.com/office/drawing/2014/main" id="{82EC5F2A-B8D5-F442-A36B-5E8FE02E22DB}"/>
-              </a:ext>
-            </a:extLst>
-          </p:cNvPr>
-          <p:cNvSpPr>
-            <a:spLocks noGrp="1"/>
-          </p:cNvSpPr>
+            <a:r>
+              <a:rPr lang="en-US" dirty="0"/>
+              <a:t>Collaborate with yourself in git</a:t>
+            </a:r>
+          </a:p>
+        </p:txBody>
+      </p:sp>
+      <p:pic>
+        <p:nvPicPr>
+          <p:cNvPr id="6" name="Content Placeholder 5">
+            <a:extLst>
+              <a:ext uri="{FF2B5EF4-FFF2-40B4-BE49-F238E27FC236}">
+                <a16:creationId xmlns:a16="http://schemas.microsoft.com/office/drawing/2014/main" id="{3DF1505F-84B8-4B46-8C7C-321C4DD4B8C4}"/>
+              </a:ext>
+            </a:extLst>
+          </p:cNvPr>
+          <p:cNvPicPr>
+            <a:picLocks noGrp="1" noChangeAspect="1"/>
+          </p:cNvPicPr>
           <p:nvPr>
             <p:ph idx="1"/>
           </p:nvPr>
-        </p:nvSpPr>
-        <p:spPr/>
-        <p:txBody>
-          <a:bodyPr/>
-          <a:lstStyle/>
-          <a:p>
-            <a:endParaRPr lang="en-US"/>
-          </a:p>
-        </p:txBody>
-      </p:sp>
+        </p:nvPicPr>
+        <p:blipFill rotWithShape="1">
+          <a:blip r:embed="rId2"/>
+          <a:srcRect t="8957"/>
+          <a:stretch/>
+        </p:blipFill>
+        <p:spPr>
+          <a:xfrm>
+            <a:off x="2887798" y="1852238"/>
+            <a:ext cx="6416403" cy="4136324"/>
+          </a:xfrm>
+        </p:spPr>
+      </p:pic>
       <p:sp>
         <p:nvSpPr>
           <p:cNvPr id="4" name="TextBox 3">
@@ -4356,24 +4714,374 @@
             </a:r>
             <a:r>
               <a:rPr lang="en-US" dirty="0">
-                <a:hlinkClick r:id="rId2"/>
+                <a:hlinkClick r:id="rId3"/>
               </a:rPr>
               <a:t>https://tinyurl.com/yxz9llyu</a:t>
             </a:r>
             <a:endParaRPr lang="en-US" dirty="0"/>
+          </a:p>
+        </p:txBody>
+      </p:sp>
+      <p:grpSp>
+        <p:nvGrpSpPr>
+          <p:cNvPr id="10" name="Group 9">
+            <a:extLst>
+              <a:ext uri="{FF2B5EF4-FFF2-40B4-BE49-F238E27FC236}">
+                <a16:creationId xmlns:a16="http://schemas.microsoft.com/office/drawing/2014/main" id="{0CBF9DA5-A289-1841-9A88-790B6D2AB6CE}"/>
+              </a:ext>
+            </a:extLst>
+          </p:cNvPr>
+          <p:cNvGrpSpPr/>
+          <p:nvPr/>
+        </p:nvGrpSpPr>
+        <p:grpSpPr>
+          <a:xfrm>
+            <a:off x="9855671" y="0"/>
+            <a:ext cx="2266660" cy="967957"/>
+            <a:chOff x="9281160" y="4606604"/>
+            <a:chExt cx="2266660" cy="967957"/>
+          </a:xfrm>
+        </p:grpSpPr>
+        <p:sp>
+          <p:nvSpPr>
+            <p:cNvPr id="7" name="Rectangle 6">
+              <a:extLst>
+                <a:ext uri="{FF2B5EF4-FFF2-40B4-BE49-F238E27FC236}">
+                  <a16:creationId xmlns:a16="http://schemas.microsoft.com/office/drawing/2014/main" id="{31F9DEC3-41CC-F14B-8F48-1DD18E37E3D2}"/>
+                </a:ext>
+              </a:extLst>
+            </p:cNvPr>
+            <p:cNvSpPr>
+              <a:spLocks noChangeAspect="1"/>
+            </p:cNvSpPr>
+            <p:nvPr/>
+          </p:nvSpPr>
+          <p:spPr>
+            <a:xfrm>
+              <a:off x="9281160" y="5214136"/>
+              <a:ext cx="274320" cy="274320"/>
+            </a:xfrm>
+            <a:prstGeom prst="rect">
+              <a:avLst/>
+            </a:prstGeom>
+          </p:spPr>
+          <p:style>
+            <a:lnRef idx="2">
+              <a:schemeClr val="accent2">
+                <a:shade val="50000"/>
+              </a:schemeClr>
+            </a:lnRef>
+            <a:fillRef idx="1">
+              <a:schemeClr val="accent2"/>
+            </a:fillRef>
+            <a:effectRef idx="0">
+              <a:schemeClr val="accent2"/>
+            </a:effectRef>
+            <a:fontRef idx="minor">
+              <a:schemeClr val="lt1"/>
+            </a:fontRef>
+          </p:style>
+          <p:txBody>
+            <a:bodyPr rtlCol="0" anchor="ctr"/>
+            <a:lstStyle/>
+            <a:p>
+              <a:pPr algn="ctr"/>
+              <a:endParaRPr lang="en-US"/>
+            </a:p>
+          </p:txBody>
+        </p:sp>
+        <p:sp>
+          <p:nvSpPr>
+            <p:cNvPr id="8" name="Rectangle 7">
+              <a:extLst>
+                <a:ext uri="{FF2B5EF4-FFF2-40B4-BE49-F238E27FC236}">
+                  <a16:creationId xmlns:a16="http://schemas.microsoft.com/office/drawing/2014/main" id="{38D8EC5F-B586-E94E-BD18-44207087F770}"/>
+                </a:ext>
+              </a:extLst>
+            </p:cNvPr>
+            <p:cNvSpPr>
+              <a:spLocks noChangeAspect="1"/>
+            </p:cNvSpPr>
+            <p:nvPr/>
+          </p:nvSpPr>
+          <p:spPr>
+            <a:xfrm>
+              <a:off x="9281160" y="4781426"/>
+              <a:ext cx="274320" cy="274320"/>
+            </a:xfrm>
+            <a:prstGeom prst="rect">
+              <a:avLst/>
+            </a:prstGeom>
+          </p:spPr>
+          <p:style>
+            <a:lnRef idx="2">
+              <a:schemeClr val="accent1">
+                <a:shade val="50000"/>
+              </a:schemeClr>
+            </a:lnRef>
+            <a:fillRef idx="1">
+              <a:schemeClr val="accent1"/>
+            </a:fillRef>
+            <a:effectRef idx="0">
+              <a:schemeClr val="accent1"/>
+            </a:effectRef>
+            <a:fontRef idx="minor">
+              <a:schemeClr val="lt1"/>
+            </a:fontRef>
+          </p:style>
+          <p:txBody>
+            <a:bodyPr rtlCol="0" anchor="ctr"/>
+            <a:lstStyle/>
+            <a:p>
+              <a:pPr algn="ctr"/>
+              <a:endParaRPr lang="en-US"/>
+            </a:p>
+          </p:txBody>
+        </p:sp>
+        <p:sp>
+          <p:nvSpPr>
+            <p:cNvPr id="9" name="TextBox 8">
+              <a:extLst>
+                <a:ext uri="{FF2B5EF4-FFF2-40B4-BE49-F238E27FC236}">
+                  <a16:creationId xmlns:a16="http://schemas.microsoft.com/office/drawing/2014/main" id="{4E9DEE8A-BB18-4C4B-90D6-4CD11F368A79}"/>
+                </a:ext>
+              </a:extLst>
+            </p:cNvPr>
+            <p:cNvSpPr txBox="1"/>
+            <p:nvPr/>
+          </p:nvSpPr>
+          <p:spPr>
+            <a:xfrm>
+              <a:off x="9555480" y="4606604"/>
+              <a:ext cx="1992340" cy="967957"/>
+            </a:xfrm>
+            <a:prstGeom prst="rect">
+              <a:avLst/>
+            </a:prstGeom>
+            <a:noFill/>
+          </p:spPr>
+          <p:txBody>
+            <a:bodyPr wrap="none" rtlCol="0">
+              <a:spAutoFit/>
+            </a:bodyPr>
+            <a:lstStyle/>
+            <a:p>
+              <a:pPr>
+                <a:lnSpc>
+                  <a:spcPct val="150000"/>
+                </a:lnSpc>
+              </a:pPr>
+              <a:r>
+                <a:rPr lang="en-US" sz="2000" dirty="0"/>
+                <a:t>git command line</a:t>
+              </a:r>
+            </a:p>
+            <a:p>
+              <a:pPr>
+                <a:lnSpc>
+                  <a:spcPct val="150000"/>
+                </a:lnSpc>
+              </a:pPr>
+              <a:r>
+                <a:rPr lang="en-US" sz="2000" dirty="0"/>
+                <a:t>key terms</a:t>
+              </a:r>
+            </a:p>
+          </p:txBody>
+        </p:sp>
+      </p:grpSp>
+      <p:pic>
+        <p:nvPicPr>
+          <p:cNvPr id="12" name="Picture 11">
+            <a:extLst>
+              <a:ext uri="{FF2B5EF4-FFF2-40B4-BE49-F238E27FC236}">
+                <a16:creationId xmlns:a16="http://schemas.microsoft.com/office/drawing/2014/main" id="{B9DFCA55-570D-A04C-80F9-927AE279511E}"/>
+              </a:ext>
+            </a:extLst>
+          </p:cNvPr>
+          <p:cNvPicPr>
+            <a:picLocks noChangeAspect="1"/>
+          </p:cNvPicPr>
+          <p:nvPr/>
+        </p:nvPicPr>
+        <p:blipFill rotWithShape="1">
+          <a:blip r:embed="rId4"/>
+          <a:srcRect b="16957"/>
+          <a:stretch/>
+        </p:blipFill>
+        <p:spPr>
+          <a:xfrm>
+            <a:off x="9855671" y="2190794"/>
+            <a:ext cx="1808930" cy="1415099"/>
+          </a:xfrm>
+          <a:prstGeom prst="rect">
+            <a:avLst/>
+          </a:prstGeom>
+        </p:spPr>
+      </p:pic>
+      <p:sp>
+        <p:nvSpPr>
+          <p:cNvPr id="13" name="Left Brace 12">
+            <a:extLst>
+              <a:ext uri="{FF2B5EF4-FFF2-40B4-BE49-F238E27FC236}">
+                <a16:creationId xmlns:a16="http://schemas.microsoft.com/office/drawing/2014/main" id="{08B58178-8127-FE47-9AA7-0A67E3734086}"/>
+              </a:ext>
+            </a:extLst>
+          </p:cNvPr>
+          <p:cNvSpPr/>
+          <p:nvPr/>
+        </p:nvSpPr>
+        <p:spPr>
+          <a:xfrm>
+            <a:off x="8880035" y="2197869"/>
+            <a:ext cx="1234192" cy="1399315"/>
+          </a:xfrm>
+          <a:prstGeom prst="leftBrace">
+            <a:avLst>
+              <a:gd name="adj1" fmla="val 8333"/>
+              <a:gd name="adj2" fmla="val 50521"/>
+            </a:avLst>
+          </a:prstGeom>
+          <a:ln w="38100"/>
+        </p:spPr>
+        <p:style>
+          <a:lnRef idx="1">
+            <a:schemeClr val="dk1"/>
+          </a:lnRef>
+          <a:fillRef idx="0">
+            <a:schemeClr val="dk1"/>
+          </a:fillRef>
+          <a:effectRef idx="0">
+            <a:schemeClr val="dk1"/>
+          </a:effectRef>
+          <a:fontRef idx="minor">
+            <a:schemeClr val="tx1"/>
+          </a:fontRef>
+        </p:style>
+        <p:txBody>
+          <a:bodyPr rtlCol="0" anchor="ctr"/>
+          <a:lstStyle/>
+          <a:p>
+            <a:pPr algn="ctr"/>
+            <a:endParaRPr lang="en-US"/>
           </a:p>
         </p:txBody>
       </p:sp>
     </p:spTree>
     <p:extLst>
       <p:ext uri="{BB962C8B-B14F-4D97-AF65-F5344CB8AC3E}">
-        <p14:creationId xmlns:p14="http://schemas.microsoft.com/office/powerpoint/2010/main" val="4246656495"/>
+        <p14:creationId xmlns:p14="http://schemas.microsoft.com/office/powerpoint/2010/main" val="657585793"/>
       </p:ext>
     </p:extLst>
   </p:cSld>
   <p:clrMapOvr>
     <a:masterClrMapping/>
   </p:clrMapOvr>
+  <p:timing>
+    <p:tnLst>
+      <p:par>
+        <p:cTn id="1" dur="indefinite" restart="never" nodeType="tmRoot">
+          <p:childTnLst>
+            <p:seq concurrent="1" nextAc="seek">
+              <p:cTn id="2" dur="indefinite" nodeType="mainSeq">
+                <p:childTnLst>
+                  <p:par>
+                    <p:cTn id="3" fill="hold">
+                      <p:stCondLst>
+                        <p:cond delay="indefinite"/>
+                      </p:stCondLst>
+                      <p:childTnLst>
+                        <p:par>
+                          <p:cTn id="4" fill="hold">
+                            <p:stCondLst>
+                              <p:cond delay="0"/>
+                            </p:stCondLst>
+                            <p:childTnLst>
+                              <p:par>
+                                <p:cTn id="5" presetID="1" presetClass="entr" presetSubtype="0" fill="hold" nodeType="clickEffect">
+                                  <p:stCondLst>
+                                    <p:cond delay="0"/>
+                                  </p:stCondLst>
+                                  <p:childTnLst>
+                                    <p:set>
+                                      <p:cBhvr>
+                                        <p:cTn id="6" dur="1" fill="hold">
+                                          <p:stCondLst>
+                                            <p:cond delay="0"/>
+                                          </p:stCondLst>
+                                        </p:cTn>
+                                        <p:tgtEl>
+                                          <p:spTgt spid="12"/>
+                                        </p:tgtEl>
+                                        <p:attrNameLst>
+                                          <p:attrName>style.visibility</p:attrName>
+                                        </p:attrNameLst>
+                                      </p:cBhvr>
+                                      <p:to>
+                                        <p:strVal val="visible"/>
+                                      </p:to>
+                                    </p:set>
+                                  </p:childTnLst>
+                                </p:cTn>
+                              </p:par>
+                              <p:par>
+                                <p:cTn id="7" presetID="1" presetClass="entr" presetSubtype="0" fill="hold" grpId="0" nodeType="withEffect">
+                                  <p:stCondLst>
+                                    <p:cond delay="0"/>
+                                  </p:stCondLst>
+                                  <p:childTnLst>
+                                    <p:set>
+                                      <p:cBhvr>
+                                        <p:cTn id="8" dur="1" fill="hold">
+                                          <p:stCondLst>
+                                            <p:cond delay="0"/>
+                                          </p:stCondLst>
+                                        </p:cTn>
+                                        <p:tgtEl>
+                                          <p:spTgt spid="13"/>
+                                        </p:tgtEl>
+                                        <p:attrNameLst>
+                                          <p:attrName>style.visibility</p:attrName>
+                                        </p:attrNameLst>
+                                      </p:cBhvr>
+                                      <p:to>
+                                        <p:strVal val="visible"/>
+                                      </p:to>
+                                    </p:set>
+                                  </p:childTnLst>
+                                </p:cTn>
+                              </p:par>
+                            </p:childTnLst>
+                          </p:cTn>
+                        </p:par>
+                      </p:childTnLst>
+                    </p:cTn>
+                  </p:par>
+                </p:childTnLst>
+              </p:cTn>
+              <p:prevCondLst>
+                <p:cond evt="onPrev" delay="0">
+                  <p:tgtEl>
+                    <p:sldTgt/>
+                  </p:tgtEl>
+                </p:cond>
+              </p:prevCondLst>
+              <p:nextCondLst>
+                <p:cond evt="onNext" delay="0">
+                  <p:tgtEl>
+                    <p:sldTgt/>
+                  </p:tgtEl>
+                </p:cond>
+              </p:nextCondLst>
+            </p:seq>
+          </p:childTnLst>
+        </p:cTn>
+      </p:par>
+    </p:tnLst>
+    <p:bldLst>
+      <p:bldP spid="13" grpId="0" animBg="1"/>
+    </p:bldLst>
+  </p:timing>
 </p:sld>
 </file>
 
@@ -4415,35 +5123,42 @@
           <a:bodyPr/>
           <a:lstStyle/>
           <a:p>
-            <a:endParaRPr lang="en-US"/>
-          </a:p>
-        </p:txBody>
-      </p:sp>
-      <p:sp>
-        <p:nvSpPr>
-          <p:cNvPr id="3" name="Content Placeholder 2">
-            <a:extLst>
-              <a:ext uri="{FF2B5EF4-FFF2-40B4-BE49-F238E27FC236}">
-                <a16:creationId xmlns:a16="http://schemas.microsoft.com/office/drawing/2014/main" id="{82EC5F2A-B8D5-F442-A36B-5E8FE02E22DB}"/>
-              </a:ext>
-            </a:extLst>
-          </p:cNvPr>
-          <p:cNvSpPr>
-            <a:spLocks noGrp="1"/>
-          </p:cNvSpPr>
+            <a:r>
+              <a:rPr lang="en-US" dirty="0"/>
+              <a:t>Collaborate over time</a:t>
+            </a:r>
+          </a:p>
+        </p:txBody>
+      </p:sp>
+      <p:pic>
+        <p:nvPicPr>
+          <p:cNvPr id="6" name="Content Placeholder 5">
+            <a:extLst>
+              <a:ext uri="{FF2B5EF4-FFF2-40B4-BE49-F238E27FC236}">
+                <a16:creationId xmlns:a16="http://schemas.microsoft.com/office/drawing/2014/main" id="{1C3FEA4D-994B-4E47-9F7E-B8AE5BAED4BA}"/>
+              </a:ext>
+            </a:extLst>
+          </p:cNvPr>
+          <p:cNvPicPr>
+            <a:picLocks noGrp="1" noChangeAspect="1"/>
+          </p:cNvPicPr>
           <p:nvPr>
             <p:ph idx="1"/>
           </p:nvPr>
-        </p:nvSpPr>
-        <p:spPr/>
-        <p:txBody>
-          <a:bodyPr/>
-          <a:lstStyle/>
-          <a:p>
-            <a:endParaRPr lang="en-US"/>
-          </a:p>
-        </p:txBody>
-      </p:sp>
+        </p:nvPicPr>
+        <p:blipFill>
+          <a:blip r:embed="rId2"/>
+          <a:stretch>
+            <a:fillRect/>
+          </a:stretch>
+        </p:blipFill>
+        <p:spPr>
+          <a:xfrm>
+            <a:off x="838200" y="2255215"/>
+            <a:ext cx="10515600" cy="3492157"/>
+          </a:xfrm>
+        </p:spPr>
+      </p:pic>
       <p:sp>
         <p:nvSpPr>
           <p:cNvPr id="4" name="TextBox 3">
@@ -4491,7 +5206,7 @@
             </a:r>
             <a:r>
               <a:rPr lang="en-US" dirty="0">
-                <a:hlinkClick r:id="rId2"/>
+                <a:hlinkClick r:id="rId3"/>
               </a:rPr>
               <a:t>https://tinyurl.com/yxz9llyu</a:t>
             </a:r>
@@ -4502,7 +5217,7 @@
     </p:spTree>
     <p:extLst>
       <p:ext uri="{BB962C8B-B14F-4D97-AF65-F5344CB8AC3E}">
-        <p14:creationId xmlns:p14="http://schemas.microsoft.com/office/powerpoint/2010/main" val="1326476252"/>
+        <p14:creationId xmlns:p14="http://schemas.microsoft.com/office/powerpoint/2010/main" val="2580572141"/>
       </p:ext>
     </p:extLst>
   </p:cSld>
@@ -4550,35 +5265,42 @@
           <a:bodyPr/>
           <a:lstStyle/>
           <a:p>
-            <a:endParaRPr lang="en-US"/>
-          </a:p>
-        </p:txBody>
-      </p:sp>
-      <p:sp>
-        <p:nvSpPr>
-          <p:cNvPr id="3" name="Content Placeholder 2">
-            <a:extLst>
-              <a:ext uri="{FF2B5EF4-FFF2-40B4-BE49-F238E27FC236}">
-                <a16:creationId xmlns:a16="http://schemas.microsoft.com/office/drawing/2014/main" id="{82EC5F2A-B8D5-F442-A36B-5E8FE02E22DB}"/>
-              </a:ext>
-            </a:extLst>
-          </p:cNvPr>
-          <p:cNvSpPr>
-            <a:spLocks noGrp="1"/>
-          </p:cNvSpPr>
+            <a:r>
+              <a:rPr lang="en-US" dirty="0"/>
+              <a:t>Collaborate over time</a:t>
+            </a:r>
+          </a:p>
+        </p:txBody>
+      </p:sp>
+      <p:pic>
+        <p:nvPicPr>
+          <p:cNvPr id="6" name="Content Placeholder 5">
+            <a:extLst>
+              <a:ext uri="{FF2B5EF4-FFF2-40B4-BE49-F238E27FC236}">
+                <a16:creationId xmlns:a16="http://schemas.microsoft.com/office/drawing/2014/main" id="{B36B4C89-ABA0-F54F-BA7E-8F051352DAF4}"/>
+              </a:ext>
+            </a:extLst>
+          </p:cNvPr>
+          <p:cNvPicPr>
+            <a:picLocks noGrp="1" noChangeAspect="1"/>
+          </p:cNvPicPr>
           <p:nvPr>
             <p:ph idx="1"/>
           </p:nvPr>
-        </p:nvSpPr>
-        <p:spPr/>
-        <p:txBody>
-          <a:bodyPr/>
-          <a:lstStyle/>
-          <a:p>
-            <a:endParaRPr lang="en-US"/>
-          </a:p>
-        </p:txBody>
-      </p:sp>
+        </p:nvPicPr>
+        <p:blipFill>
+          <a:blip r:embed="rId2"/>
+          <a:stretch>
+            <a:fillRect/>
+          </a:stretch>
+        </p:blipFill>
+        <p:spPr>
+          <a:xfrm>
+            <a:off x="2404615" y="1390302"/>
+            <a:ext cx="7382770" cy="4908581"/>
+          </a:xfrm>
+        </p:spPr>
+      </p:pic>
       <p:sp>
         <p:nvSpPr>
           <p:cNvPr id="4" name="TextBox 3">
@@ -4626,7 +5348,7 @@
             </a:r>
             <a:r>
               <a:rPr lang="en-US" dirty="0">
-                <a:hlinkClick r:id="rId2"/>
+                <a:hlinkClick r:id="rId3"/>
               </a:rPr>
               <a:t>https://tinyurl.com/yxz9llyu</a:t>
             </a:r>
@@ -4637,7 +5359,7 @@
     </p:spTree>
     <p:extLst>
       <p:ext uri="{BB962C8B-B14F-4D97-AF65-F5344CB8AC3E}">
-        <p14:creationId xmlns:p14="http://schemas.microsoft.com/office/powerpoint/2010/main" val="1141747473"/>
+        <p14:creationId xmlns:p14="http://schemas.microsoft.com/office/powerpoint/2010/main" val="4246656495"/>
       </p:ext>
     </p:extLst>
   </p:cSld>
@@ -5075,4 +5797,299 @@
     </a:ext>
   </a:extLst>
 </a:theme>
+</file>
+
+<file path=ppt/theme/theme2.xml><?xml version="1.0" encoding="utf-8"?>
+<a:theme xmlns:a="http://schemas.openxmlformats.org/drawingml/2006/main" name="Office Theme">
+  <a:themeElements>
+    <a:clrScheme name="Office">
+      <a:dk1>
+        <a:sysClr val="windowText" lastClr="000000"/>
+      </a:dk1>
+      <a:lt1>
+        <a:sysClr val="window" lastClr="FFFFFF"/>
+      </a:lt1>
+      <a:dk2>
+        <a:srgbClr val="44546A"/>
+      </a:dk2>
+      <a:lt2>
+        <a:srgbClr val="E7E6E6"/>
+      </a:lt2>
+      <a:accent1>
+        <a:srgbClr val="4472C4"/>
+      </a:accent1>
+      <a:accent2>
+        <a:srgbClr val="ED7D31"/>
+      </a:accent2>
+      <a:accent3>
+        <a:srgbClr val="A5A5A5"/>
+      </a:accent3>
+      <a:accent4>
+        <a:srgbClr val="FFC000"/>
+      </a:accent4>
+      <a:accent5>
+        <a:srgbClr val="5B9BD5"/>
+      </a:accent5>
+      <a:accent6>
+        <a:srgbClr val="70AD47"/>
+      </a:accent6>
+      <a:hlink>
+        <a:srgbClr val="0563C1"/>
+      </a:hlink>
+      <a:folHlink>
+        <a:srgbClr val="954F72"/>
+      </a:folHlink>
+    </a:clrScheme>
+    <a:fontScheme name="Office">
+      <a:majorFont>
+        <a:latin typeface="Calibri Light" panose="020F0302020204030204"/>
+        <a:ea typeface=""/>
+        <a:cs typeface=""/>
+        <a:font script="Jpan" typeface="游ゴシック Light"/>
+        <a:font script="Hang" typeface="맑은 고딕"/>
+        <a:font script="Hans" typeface="等线 Light"/>
+        <a:font script="Hant" typeface="新細明體"/>
+        <a:font script="Arab" typeface="Times New Roman"/>
+        <a:font script="Hebr" typeface="Times New Roman"/>
+        <a:font script="Thai" typeface="Angsana New"/>
+        <a:font script="Ethi" typeface="Nyala"/>
+        <a:font script="Beng" typeface="Vrinda"/>
+        <a:font script="Gujr" typeface="Shruti"/>
+        <a:font script="Khmr" typeface="MoolBoran"/>
+        <a:font script="Knda" typeface="Tunga"/>
+        <a:font script="Guru" typeface="Raavi"/>
+        <a:font script="Cans" typeface="Euphemia"/>
+        <a:font script="Cher" typeface="Plantagenet Cherokee"/>
+        <a:font script="Yiii" typeface="Microsoft Yi Baiti"/>
+        <a:font script="Tibt" typeface="Microsoft Himalaya"/>
+        <a:font script="Thaa" typeface="MV Boli"/>
+        <a:font script="Deva" typeface="Mangal"/>
+        <a:font script="Telu" typeface="Gautami"/>
+        <a:font script="Taml" typeface="Latha"/>
+        <a:font script="Syrc" typeface="Estrangelo Edessa"/>
+        <a:font script="Orya" typeface="Kalinga"/>
+        <a:font script="Mlym" typeface="Kartika"/>
+        <a:font script="Laoo" typeface="DokChampa"/>
+        <a:font script="Sinh" typeface="Iskoola Pota"/>
+        <a:font script="Mong" typeface="Mongolian Baiti"/>
+        <a:font script="Viet" typeface="Times New Roman"/>
+        <a:font script="Uigh" typeface="Microsoft Uighur"/>
+        <a:font script="Geor" typeface="Sylfaen"/>
+        <a:font script="Armn" typeface="Arial"/>
+        <a:font script="Bugi" typeface="Leelawadee UI"/>
+        <a:font script="Bopo" typeface="Microsoft JhengHei"/>
+        <a:font script="Java" typeface="Javanese Text"/>
+        <a:font script="Lisu" typeface="Segoe UI"/>
+        <a:font script="Mymr" typeface="Myanmar Text"/>
+        <a:font script="Nkoo" typeface="Ebrima"/>
+        <a:font script="Olck" typeface="Nirmala UI"/>
+        <a:font script="Osma" typeface="Ebrima"/>
+        <a:font script="Phag" typeface="Phagspa"/>
+        <a:font script="Syrn" typeface="Estrangelo Edessa"/>
+        <a:font script="Syrj" typeface="Estrangelo Edessa"/>
+        <a:font script="Syre" typeface="Estrangelo Edessa"/>
+        <a:font script="Sora" typeface="Nirmala UI"/>
+        <a:font script="Tale" typeface="Microsoft Tai Le"/>
+        <a:font script="Talu" typeface="Microsoft New Tai Lue"/>
+        <a:font script="Tfng" typeface="Ebrima"/>
+      </a:majorFont>
+      <a:minorFont>
+        <a:latin typeface="Calibri" panose="020F0502020204030204"/>
+        <a:ea typeface=""/>
+        <a:cs typeface=""/>
+        <a:font script="Jpan" typeface="游ゴシック"/>
+        <a:font script="Hang" typeface="맑은 고딕"/>
+        <a:font script="Hans" typeface="等线"/>
+        <a:font script="Hant" typeface="新細明體"/>
+        <a:font script="Arab" typeface="Arial"/>
+        <a:font script="Hebr" typeface="Arial"/>
+        <a:font script="Thai" typeface="Cordia New"/>
+        <a:font script="Ethi" typeface="Nyala"/>
+        <a:font script="Beng" typeface="Vrinda"/>
+        <a:font script="Gujr" typeface="Shruti"/>
+        <a:font script="Khmr" typeface="DaunPenh"/>
+        <a:font script="Knda" typeface="Tunga"/>
+        <a:font script="Guru" typeface="Raavi"/>
+        <a:font script="Cans" typeface="Euphemia"/>
+        <a:font script="Cher" typeface="Plantagenet Cherokee"/>
+        <a:font script="Yiii" typeface="Microsoft Yi Baiti"/>
+        <a:font script="Tibt" typeface="Microsoft Himalaya"/>
+        <a:font script="Thaa" typeface="MV Boli"/>
+        <a:font script="Deva" typeface="Mangal"/>
+        <a:font script="Telu" typeface="Gautami"/>
+        <a:font script="Taml" typeface="Latha"/>
+        <a:font script="Syrc" typeface="Estrangelo Edessa"/>
+        <a:font script="Orya" typeface="Kalinga"/>
+        <a:font script="Mlym" typeface="Kartika"/>
+        <a:font script="Laoo" typeface="DokChampa"/>
+        <a:font script="Sinh" typeface="Iskoola Pota"/>
+        <a:font script="Mong" typeface="Mongolian Baiti"/>
+        <a:font script="Viet" typeface="Arial"/>
+        <a:font script="Uigh" typeface="Microsoft Uighur"/>
+        <a:font script="Geor" typeface="Sylfaen"/>
+        <a:font script="Armn" typeface="Arial"/>
+        <a:font script="Bugi" typeface="Leelawadee UI"/>
+        <a:font script="Bopo" typeface="Microsoft JhengHei"/>
+        <a:font script="Java" typeface="Javanese Text"/>
+        <a:font script="Lisu" typeface="Segoe UI"/>
+        <a:font script="Mymr" typeface="Myanmar Text"/>
+        <a:font script="Nkoo" typeface="Ebrima"/>
+        <a:font script="Olck" typeface="Nirmala UI"/>
+        <a:font script="Osma" typeface="Ebrima"/>
+        <a:font script="Phag" typeface="Phagspa"/>
+        <a:font script="Syrn" typeface="Estrangelo Edessa"/>
+        <a:font script="Syrj" typeface="Estrangelo Edessa"/>
+        <a:font script="Syre" typeface="Estrangelo Edessa"/>
+        <a:font script="Sora" typeface="Nirmala UI"/>
+        <a:font script="Tale" typeface="Microsoft Tai Le"/>
+        <a:font script="Talu" typeface="Microsoft New Tai Lue"/>
+        <a:font script="Tfng" typeface="Ebrima"/>
+      </a:minorFont>
+    </a:fontScheme>
+    <a:fmtScheme name="Office">
+      <a:fillStyleLst>
+        <a:solidFill>
+          <a:schemeClr val="phClr"/>
+        </a:solidFill>
+        <a:gradFill rotWithShape="1">
+          <a:gsLst>
+            <a:gs pos="0">
+              <a:schemeClr val="phClr">
+                <a:lumMod val="110000"/>
+                <a:satMod val="105000"/>
+                <a:tint val="67000"/>
+              </a:schemeClr>
+            </a:gs>
+            <a:gs pos="50000">
+              <a:schemeClr val="phClr">
+                <a:lumMod val="105000"/>
+                <a:satMod val="103000"/>
+                <a:tint val="73000"/>
+              </a:schemeClr>
+            </a:gs>
+            <a:gs pos="100000">
+              <a:schemeClr val="phClr">
+                <a:lumMod val="105000"/>
+                <a:satMod val="109000"/>
+                <a:tint val="81000"/>
+              </a:schemeClr>
+            </a:gs>
+          </a:gsLst>
+          <a:lin ang="5400000" scaled="0"/>
+        </a:gradFill>
+        <a:gradFill rotWithShape="1">
+          <a:gsLst>
+            <a:gs pos="0">
+              <a:schemeClr val="phClr">
+                <a:satMod val="103000"/>
+                <a:lumMod val="102000"/>
+                <a:tint val="94000"/>
+              </a:schemeClr>
+            </a:gs>
+            <a:gs pos="50000">
+              <a:schemeClr val="phClr">
+                <a:satMod val="110000"/>
+                <a:lumMod val="100000"/>
+                <a:shade val="100000"/>
+              </a:schemeClr>
+            </a:gs>
+            <a:gs pos="100000">
+              <a:schemeClr val="phClr">
+                <a:lumMod val="99000"/>
+                <a:satMod val="120000"/>
+                <a:shade val="78000"/>
+              </a:schemeClr>
+            </a:gs>
+          </a:gsLst>
+          <a:lin ang="5400000" scaled="0"/>
+        </a:gradFill>
+      </a:fillStyleLst>
+      <a:lnStyleLst>
+        <a:ln w="6350" cap="flat" cmpd="sng" algn="ctr">
+          <a:solidFill>
+            <a:schemeClr val="phClr"/>
+          </a:solidFill>
+          <a:prstDash val="solid"/>
+          <a:miter lim="800000"/>
+        </a:ln>
+        <a:ln w="12700" cap="flat" cmpd="sng" algn="ctr">
+          <a:solidFill>
+            <a:schemeClr val="phClr"/>
+          </a:solidFill>
+          <a:prstDash val="solid"/>
+          <a:miter lim="800000"/>
+        </a:ln>
+        <a:ln w="19050" cap="flat" cmpd="sng" algn="ctr">
+          <a:solidFill>
+            <a:schemeClr val="phClr"/>
+          </a:solidFill>
+          <a:prstDash val="solid"/>
+          <a:miter lim="800000"/>
+        </a:ln>
+      </a:lnStyleLst>
+      <a:effectStyleLst>
+        <a:effectStyle>
+          <a:effectLst/>
+        </a:effectStyle>
+        <a:effectStyle>
+          <a:effectLst/>
+        </a:effectStyle>
+        <a:effectStyle>
+          <a:effectLst>
+            <a:outerShdw blurRad="57150" dist="19050" dir="5400000" algn="ctr" rotWithShape="0">
+              <a:srgbClr val="000000">
+                <a:alpha val="63000"/>
+              </a:srgbClr>
+            </a:outerShdw>
+          </a:effectLst>
+        </a:effectStyle>
+      </a:effectStyleLst>
+      <a:bgFillStyleLst>
+        <a:solidFill>
+          <a:schemeClr val="phClr"/>
+        </a:solidFill>
+        <a:solidFill>
+          <a:schemeClr val="phClr">
+            <a:tint val="95000"/>
+            <a:satMod val="170000"/>
+          </a:schemeClr>
+        </a:solidFill>
+        <a:gradFill rotWithShape="1">
+          <a:gsLst>
+            <a:gs pos="0">
+              <a:schemeClr val="phClr">
+                <a:tint val="93000"/>
+                <a:satMod val="150000"/>
+                <a:shade val="98000"/>
+                <a:lumMod val="102000"/>
+              </a:schemeClr>
+            </a:gs>
+            <a:gs pos="50000">
+              <a:schemeClr val="phClr">
+                <a:tint val="98000"/>
+                <a:satMod val="130000"/>
+                <a:shade val="90000"/>
+                <a:lumMod val="103000"/>
+              </a:schemeClr>
+            </a:gs>
+            <a:gs pos="100000">
+              <a:schemeClr val="phClr">
+                <a:shade val="63000"/>
+                <a:satMod val="120000"/>
+              </a:schemeClr>
+            </a:gs>
+          </a:gsLst>
+          <a:lin ang="5400000" scaled="0"/>
+        </a:gradFill>
+      </a:bgFillStyleLst>
+    </a:fmtScheme>
+  </a:themeElements>
+  <a:objectDefaults/>
+  <a:extraClrSchemeLst/>
+  <a:extLst>
+    <a:ext uri="{05A4C25C-085E-4340-85A3-A5531E510DB2}">
+      <thm15:themeFamily xmlns:thm15="http://schemas.microsoft.com/office/thememl/2012/main" name="Office Theme" id="{62F939B6-93AF-4DB8-9C6B-D6C7DFDC589F}" vid="{4A3C46E8-61CC-4603-A589-7422A47A8E4A}"/>
+    </a:ext>
+  </a:extLst>
+</a:theme>
 </file>
--- a/2021.01.14_git/2020.01.14_git.pptx
+++ b/2021.01.14_git/2020.01.14_git.pptx
@@ -5,7 +5,7 @@
     <p:sldMasterId id="2147483648" r:id="rId1"/>
   </p:sldMasterIdLst>
   <p:notesMasterIdLst>
-    <p:notesMasterId r:id="rId12"/>
+    <p:notesMasterId r:id="rId15"/>
   </p:notesMasterIdLst>
   <p:sldIdLst>
     <p:sldId id="256" r:id="rId2"/>
@@ -16,8 +16,11 @@
     <p:sldId id="261" r:id="rId7"/>
     <p:sldId id="262" r:id="rId8"/>
     <p:sldId id="263" r:id="rId9"/>
-    <p:sldId id="266" r:id="rId10"/>
-    <p:sldId id="267" r:id="rId11"/>
+    <p:sldId id="264" r:id="rId10"/>
+    <p:sldId id="268" r:id="rId11"/>
+    <p:sldId id="265" r:id="rId12"/>
+    <p:sldId id="266" r:id="rId13"/>
+    <p:sldId id="267" r:id="rId14"/>
   </p:sldIdLst>
   <p:sldSz cx="12192000" cy="6858000"/>
   <p:notesSz cx="6858000" cy="9144000"/>
@@ -471,6 +474,174 @@
     </a:lvl9pPr>
   </p:notesStyle>
 </p:notesMaster>
+</file>
+
+<file path=ppt/notesSlides/notesSlide1.xml><?xml version="1.0" encoding="utf-8"?>
+<p:notes xmlns:a="http://schemas.openxmlformats.org/drawingml/2006/main" xmlns:r="http://schemas.openxmlformats.org/officeDocument/2006/relationships" xmlns:p="http://schemas.openxmlformats.org/presentationml/2006/main">
+  <p:cSld>
+    <p:spTree>
+      <p:nvGrpSpPr>
+        <p:cNvPr id="1" name=""/>
+        <p:cNvGrpSpPr/>
+        <p:nvPr/>
+      </p:nvGrpSpPr>
+      <p:grpSpPr>
+        <a:xfrm>
+          <a:off x="0" y="0"/>
+          <a:ext cx="0" cy="0"/>
+          <a:chOff x="0" y="0"/>
+          <a:chExt cx="0" cy="0"/>
+        </a:xfrm>
+      </p:grpSpPr>
+      <p:sp>
+        <p:nvSpPr>
+          <p:cNvPr id="2" name="Slide Image Placeholder 1"/>
+          <p:cNvSpPr>
+            <a:spLocks noGrp="1" noRot="1" noChangeAspect="1"/>
+          </p:cNvSpPr>
+          <p:nvPr>
+            <p:ph type="sldImg"/>
+          </p:nvPr>
+        </p:nvSpPr>
+        <p:spPr/>
+      </p:sp>
+      <p:sp>
+        <p:nvSpPr>
+          <p:cNvPr id="3" name="Notes Placeholder 2"/>
+          <p:cNvSpPr>
+            <a:spLocks noGrp="1"/>
+          </p:cNvSpPr>
+          <p:nvPr>
+            <p:ph type="body" idx="1"/>
+          </p:nvPr>
+        </p:nvSpPr>
+        <p:spPr/>
+        <p:txBody>
+          <a:bodyPr/>
+          <a:lstStyle/>
+          <a:p>
+            <a:endParaRPr lang="en-US" dirty="0"/>
+          </a:p>
+        </p:txBody>
+      </p:sp>
+      <p:sp>
+        <p:nvSpPr>
+          <p:cNvPr id="4" name="Slide Number Placeholder 3"/>
+          <p:cNvSpPr>
+            <a:spLocks noGrp="1"/>
+          </p:cNvSpPr>
+          <p:nvPr>
+            <p:ph type="sldNum" sz="quarter" idx="5"/>
+          </p:nvPr>
+        </p:nvSpPr>
+        <p:spPr/>
+        <p:txBody>
+          <a:bodyPr/>
+          <a:lstStyle/>
+          <a:p>
+            <a:fld id="{7149579C-B5E8-0E42-854A-0AA7B389972E}" type="slidenum">
+              <a:rPr lang="en-US" smtClean="0"/>
+              <a:t>9</a:t>
+            </a:fld>
+            <a:endParaRPr lang="en-US"/>
+          </a:p>
+        </p:txBody>
+      </p:sp>
+    </p:spTree>
+    <p:extLst>
+      <p:ext uri="{BB962C8B-B14F-4D97-AF65-F5344CB8AC3E}">
+        <p14:creationId xmlns:p14="http://schemas.microsoft.com/office/powerpoint/2010/main" val="3172232036"/>
+      </p:ext>
+    </p:extLst>
+  </p:cSld>
+  <p:clrMapOvr>
+    <a:masterClrMapping/>
+  </p:clrMapOvr>
+</p:notes>
+</file>
+
+<file path=ppt/notesSlides/notesSlide2.xml><?xml version="1.0" encoding="utf-8"?>
+<p:notes xmlns:a="http://schemas.openxmlformats.org/drawingml/2006/main" xmlns:r="http://schemas.openxmlformats.org/officeDocument/2006/relationships" xmlns:p="http://schemas.openxmlformats.org/presentationml/2006/main">
+  <p:cSld>
+    <p:spTree>
+      <p:nvGrpSpPr>
+        <p:cNvPr id="1" name=""/>
+        <p:cNvGrpSpPr/>
+        <p:nvPr/>
+      </p:nvGrpSpPr>
+      <p:grpSpPr>
+        <a:xfrm>
+          <a:off x="0" y="0"/>
+          <a:ext cx="0" cy="0"/>
+          <a:chOff x="0" y="0"/>
+          <a:chExt cx="0" cy="0"/>
+        </a:xfrm>
+      </p:grpSpPr>
+      <p:sp>
+        <p:nvSpPr>
+          <p:cNvPr id="2" name="Slide Image Placeholder 1"/>
+          <p:cNvSpPr>
+            <a:spLocks noGrp="1" noRot="1" noChangeAspect="1"/>
+          </p:cNvSpPr>
+          <p:nvPr>
+            <p:ph type="sldImg"/>
+          </p:nvPr>
+        </p:nvSpPr>
+        <p:spPr/>
+      </p:sp>
+      <p:sp>
+        <p:nvSpPr>
+          <p:cNvPr id="3" name="Notes Placeholder 2"/>
+          <p:cNvSpPr>
+            <a:spLocks noGrp="1"/>
+          </p:cNvSpPr>
+          <p:nvPr>
+            <p:ph type="body" idx="1"/>
+          </p:nvPr>
+        </p:nvSpPr>
+        <p:spPr/>
+        <p:txBody>
+          <a:bodyPr/>
+          <a:lstStyle/>
+          <a:p>
+            <a:endParaRPr lang="en-US" dirty="0"/>
+          </a:p>
+        </p:txBody>
+      </p:sp>
+      <p:sp>
+        <p:nvSpPr>
+          <p:cNvPr id="4" name="Slide Number Placeholder 3"/>
+          <p:cNvSpPr>
+            <a:spLocks noGrp="1"/>
+          </p:cNvSpPr>
+          <p:nvPr>
+            <p:ph type="sldNum" sz="quarter" idx="5"/>
+          </p:nvPr>
+        </p:nvSpPr>
+        <p:spPr/>
+        <p:txBody>
+          <a:bodyPr/>
+          <a:lstStyle/>
+          <a:p>
+            <a:fld id="{7149579C-B5E8-0E42-854A-0AA7B389972E}" type="slidenum">
+              <a:rPr lang="en-US" smtClean="0"/>
+              <a:t>10</a:t>
+            </a:fld>
+            <a:endParaRPr lang="en-US"/>
+          </a:p>
+        </p:txBody>
+      </p:sp>
+    </p:spTree>
+    <p:extLst>
+      <p:ext uri="{BB962C8B-B14F-4D97-AF65-F5344CB8AC3E}">
+        <p14:creationId xmlns:p14="http://schemas.microsoft.com/office/powerpoint/2010/main" val="351097882"/>
+      </p:ext>
+    </p:extLst>
+  </p:cSld>
+  <p:clrMapOvr>
+    <a:masterClrMapping/>
+  </p:clrMapOvr>
+</p:notes>
 </file>
 
 <file path=ppt/slideLayouts/slideLayout1.xml><?xml version="1.0" encoding="utf-8"?>
@@ -3867,6 +4038,722 @@
           <a:bodyPr/>
           <a:lstStyle/>
           <a:p>
+            <a:r>
+              <a:rPr lang="en-US" dirty="0"/>
+              <a:t>Collaborate with others</a:t>
+            </a:r>
+          </a:p>
+        </p:txBody>
+      </p:sp>
+      <p:sp>
+        <p:nvSpPr>
+          <p:cNvPr id="4" name="TextBox 3">
+            <a:extLst>
+              <a:ext uri="{FF2B5EF4-FFF2-40B4-BE49-F238E27FC236}">
+                <a16:creationId xmlns:a16="http://schemas.microsoft.com/office/drawing/2014/main" id="{1FAA8BE5-F9EE-D246-815B-B3C52BE8CBA4}"/>
+              </a:ext>
+            </a:extLst>
+          </p:cNvPr>
+          <p:cNvSpPr txBox="1"/>
+          <p:nvPr/>
+        </p:nvSpPr>
+        <p:spPr>
+          <a:xfrm>
+            <a:off x="0" y="6488668"/>
+            <a:ext cx="12192000" cy="369332"/>
+          </a:xfrm>
+          <a:prstGeom prst="rect">
+            <a:avLst/>
+          </a:prstGeom>
+          <a:noFill/>
+        </p:spPr>
+        <p:txBody>
+          <a:bodyPr wrap="square" rtlCol="0">
+            <a:spAutoFit/>
+          </a:bodyPr>
+          <a:lstStyle/>
+          <a:p>
+            <a:pPr algn="ctr"/>
+            <a:r>
+              <a:rPr lang="en-US" dirty="0" err="1"/>
+              <a:t>kadm@uw.edu</a:t>
+            </a:r>
+            <a:r>
+              <a:rPr lang="en-US" dirty="0"/>
+              <a:t>	@</a:t>
+            </a:r>
+            <a:r>
+              <a:rPr lang="en-US" dirty="0" err="1"/>
+              <a:t>kdillmcfarland</a:t>
+            </a:r>
+            <a:r>
+              <a:rPr lang="en-US" dirty="0"/>
+              <a:t>						Slides </a:t>
+            </a:r>
+            <a:r>
+              <a:rPr lang="en-US" dirty="0">
+                <a:hlinkClick r:id="rId3"/>
+              </a:rPr>
+              <a:t>https://tinyurl.com/yxz9llyu</a:t>
+            </a:r>
+            <a:endParaRPr lang="en-US" dirty="0"/>
+          </a:p>
+        </p:txBody>
+      </p:sp>
+      <p:pic>
+        <p:nvPicPr>
+          <p:cNvPr id="6" name="Picture 5">
+            <a:extLst>
+              <a:ext uri="{FF2B5EF4-FFF2-40B4-BE49-F238E27FC236}">
+                <a16:creationId xmlns:a16="http://schemas.microsoft.com/office/drawing/2014/main" id="{DF542311-3563-D146-992A-AD7379BAB442}"/>
+              </a:ext>
+            </a:extLst>
+          </p:cNvPr>
+          <p:cNvPicPr>
+            <a:picLocks noChangeAspect="1"/>
+          </p:cNvPicPr>
+          <p:nvPr/>
+        </p:nvPicPr>
+        <p:blipFill rotWithShape="1">
+          <a:blip r:embed="rId4"/>
+          <a:srcRect r="21356" b="53830"/>
+          <a:stretch/>
+        </p:blipFill>
+        <p:spPr>
+          <a:xfrm>
+            <a:off x="368609" y="1849078"/>
+            <a:ext cx="11454781" cy="3877046"/>
+          </a:xfrm>
+          <a:prstGeom prst="rect">
+            <a:avLst/>
+          </a:prstGeom>
+        </p:spPr>
+      </p:pic>
+      <p:grpSp>
+        <p:nvGrpSpPr>
+          <p:cNvPr id="9" name="Group 8">
+            <a:extLst>
+              <a:ext uri="{FF2B5EF4-FFF2-40B4-BE49-F238E27FC236}">
+                <a16:creationId xmlns:a16="http://schemas.microsoft.com/office/drawing/2014/main" id="{5EA54988-A4BE-F545-B1F6-6F899CBB11CC}"/>
+              </a:ext>
+            </a:extLst>
+          </p:cNvPr>
+          <p:cNvGrpSpPr/>
+          <p:nvPr/>
+        </p:nvGrpSpPr>
+        <p:grpSpPr>
+          <a:xfrm>
+            <a:off x="9855671" y="0"/>
+            <a:ext cx="2266660" cy="967957"/>
+            <a:chOff x="9281160" y="4606604"/>
+            <a:chExt cx="2266660" cy="967957"/>
+          </a:xfrm>
+        </p:grpSpPr>
+        <p:sp>
+          <p:nvSpPr>
+            <p:cNvPr id="10" name="Rectangle 9">
+              <a:extLst>
+                <a:ext uri="{FF2B5EF4-FFF2-40B4-BE49-F238E27FC236}">
+                  <a16:creationId xmlns:a16="http://schemas.microsoft.com/office/drawing/2014/main" id="{F04D3635-793B-4445-9513-6DA29B8D51B4}"/>
+                </a:ext>
+              </a:extLst>
+            </p:cNvPr>
+            <p:cNvSpPr>
+              <a:spLocks noChangeAspect="1"/>
+            </p:cNvSpPr>
+            <p:nvPr/>
+          </p:nvSpPr>
+          <p:spPr>
+            <a:xfrm>
+              <a:off x="9281160" y="5214136"/>
+              <a:ext cx="274320" cy="274320"/>
+            </a:xfrm>
+            <a:prstGeom prst="rect">
+              <a:avLst/>
+            </a:prstGeom>
+          </p:spPr>
+          <p:style>
+            <a:lnRef idx="2">
+              <a:schemeClr val="accent2">
+                <a:shade val="50000"/>
+              </a:schemeClr>
+            </a:lnRef>
+            <a:fillRef idx="1">
+              <a:schemeClr val="accent2"/>
+            </a:fillRef>
+            <a:effectRef idx="0">
+              <a:schemeClr val="accent2"/>
+            </a:effectRef>
+            <a:fontRef idx="minor">
+              <a:schemeClr val="lt1"/>
+            </a:fontRef>
+          </p:style>
+          <p:txBody>
+            <a:bodyPr rtlCol="0" anchor="ctr"/>
+            <a:lstStyle/>
+            <a:p>
+              <a:pPr algn="ctr"/>
+              <a:endParaRPr lang="en-US"/>
+            </a:p>
+          </p:txBody>
+        </p:sp>
+        <p:sp>
+          <p:nvSpPr>
+            <p:cNvPr id="11" name="Rectangle 10">
+              <a:extLst>
+                <a:ext uri="{FF2B5EF4-FFF2-40B4-BE49-F238E27FC236}">
+                  <a16:creationId xmlns:a16="http://schemas.microsoft.com/office/drawing/2014/main" id="{CE1F8445-AC4A-744E-A66C-C33B7E901450}"/>
+                </a:ext>
+              </a:extLst>
+            </p:cNvPr>
+            <p:cNvSpPr>
+              <a:spLocks noChangeAspect="1"/>
+            </p:cNvSpPr>
+            <p:nvPr/>
+          </p:nvSpPr>
+          <p:spPr>
+            <a:xfrm>
+              <a:off x="9281160" y="4781426"/>
+              <a:ext cx="274320" cy="274320"/>
+            </a:xfrm>
+            <a:prstGeom prst="rect">
+              <a:avLst/>
+            </a:prstGeom>
+          </p:spPr>
+          <p:style>
+            <a:lnRef idx="2">
+              <a:schemeClr val="accent1">
+                <a:shade val="50000"/>
+              </a:schemeClr>
+            </a:lnRef>
+            <a:fillRef idx="1">
+              <a:schemeClr val="accent1"/>
+            </a:fillRef>
+            <a:effectRef idx="0">
+              <a:schemeClr val="accent1"/>
+            </a:effectRef>
+            <a:fontRef idx="minor">
+              <a:schemeClr val="lt1"/>
+            </a:fontRef>
+          </p:style>
+          <p:txBody>
+            <a:bodyPr rtlCol="0" anchor="ctr"/>
+            <a:lstStyle/>
+            <a:p>
+              <a:pPr algn="ctr"/>
+              <a:endParaRPr lang="en-US"/>
+            </a:p>
+          </p:txBody>
+        </p:sp>
+        <p:sp>
+          <p:nvSpPr>
+            <p:cNvPr id="12" name="TextBox 11">
+              <a:extLst>
+                <a:ext uri="{FF2B5EF4-FFF2-40B4-BE49-F238E27FC236}">
+                  <a16:creationId xmlns:a16="http://schemas.microsoft.com/office/drawing/2014/main" id="{75CDEC9A-DE53-F246-882A-640F8898BAE7}"/>
+                </a:ext>
+              </a:extLst>
+            </p:cNvPr>
+            <p:cNvSpPr txBox="1"/>
+            <p:nvPr/>
+          </p:nvSpPr>
+          <p:spPr>
+            <a:xfrm>
+              <a:off x="9555480" y="4606604"/>
+              <a:ext cx="1992340" cy="967957"/>
+            </a:xfrm>
+            <a:prstGeom prst="rect">
+              <a:avLst/>
+            </a:prstGeom>
+            <a:noFill/>
+          </p:spPr>
+          <p:txBody>
+            <a:bodyPr wrap="none" rtlCol="0">
+              <a:spAutoFit/>
+            </a:bodyPr>
+            <a:lstStyle/>
+            <a:p>
+              <a:pPr>
+                <a:lnSpc>
+                  <a:spcPct val="150000"/>
+                </a:lnSpc>
+              </a:pPr>
+              <a:r>
+                <a:rPr lang="en-US" sz="2000" dirty="0"/>
+                <a:t>git command line</a:t>
+              </a:r>
+            </a:p>
+            <a:p>
+              <a:pPr>
+                <a:lnSpc>
+                  <a:spcPct val="150000"/>
+                </a:lnSpc>
+              </a:pPr>
+              <a:r>
+                <a:rPr lang="en-US" sz="2000" dirty="0"/>
+                <a:t>key terms</a:t>
+              </a:r>
+            </a:p>
+          </p:txBody>
+        </p:sp>
+      </p:grpSp>
+      <p:sp>
+        <p:nvSpPr>
+          <p:cNvPr id="3" name="TextBox 2">
+            <a:extLst>
+              <a:ext uri="{FF2B5EF4-FFF2-40B4-BE49-F238E27FC236}">
+                <a16:creationId xmlns:a16="http://schemas.microsoft.com/office/drawing/2014/main" id="{0224B16D-72EA-C140-B9F0-2469C1DEFC17}"/>
+              </a:ext>
+            </a:extLst>
+          </p:cNvPr>
+          <p:cNvSpPr txBox="1"/>
+          <p:nvPr/>
+        </p:nvSpPr>
+        <p:spPr>
+          <a:xfrm>
+            <a:off x="9466217" y="1459855"/>
+            <a:ext cx="2066591" cy="461665"/>
+          </a:xfrm>
+          <a:prstGeom prst="rect">
+            <a:avLst/>
+          </a:prstGeom>
+          <a:noFill/>
+        </p:spPr>
+        <p:txBody>
+          <a:bodyPr wrap="none" rtlCol="0">
+            <a:spAutoFit/>
+          </a:bodyPr>
+          <a:lstStyle/>
+          <a:p>
+            <a:r>
+              <a:rPr lang="en-US" sz="2400" b="1" dirty="0">
+                <a:solidFill>
+                  <a:srgbClr val="C00000"/>
+                </a:solidFill>
+              </a:rPr>
+              <a:t>Someone else!</a:t>
+            </a:r>
+          </a:p>
+        </p:txBody>
+      </p:sp>
+      <p:sp>
+        <p:nvSpPr>
+          <p:cNvPr id="13" name="Rectangle 12">
+            <a:extLst>
+              <a:ext uri="{FF2B5EF4-FFF2-40B4-BE49-F238E27FC236}">
+                <a16:creationId xmlns:a16="http://schemas.microsoft.com/office/drawing/2014/main" id="{D207F871-9F56-554A-8DA5-4DB28A3639A0}"/>
+              </a:ext>
+            </a:extLst>
+          </p:cNvPr>
+          <p:cNvSpPr/>
+          <p:nvPr/>
+        </p:nvSpPr>
+        <p:spPr>
+          <a:xfrm>
+            <a:off x="8856617" y="3683726"/>
+            <a:ext cx="783772" cy="339634"/>
+          </a:xfrm>
+          <a:prstGeom prst="rect">
+            <a:avLst/>
+          </a:prstGeom>
+          <a:noFill/>
+          <a:ln w="38100">
+            <a:solidFill>
+              <a:srgbClr val="C00000"/>
+            </a:solidFill>
+          </a:ln>
+        </p:spPr>
+        <p:style>
+          <a:lnRef idx="2">
+            <a:schemeClr val="accent2"/>
+          </a:lnRef>
+          <a:fillRef idx="1">
+            <a:schemeClr val="lt1"/>
+          </a:fillRef>
+          <a:effectRef idx="0">
+            <a:schemeClr val="accent2"/>
+          </a:effectRef>
+          <a:fontRef idx="minor">
+            <a:schemeClr val="dk1"/>
+          </a:fontRef>
+        </p:style>
+        <p:txBody>
+          <a:bodyPr rtlCol="0" anchor="ctr"/>
+          <a:lstStyle/>
+          <a:p>
+            <a:pPr algn="ctr"/>
+            <a:endParaRPr lang="en-US"/>
+          </a:p>
+        </p:txBody>
+      </p:sp>
+    </p:spTree>
+    <p:extLst>
+      <p:ext uri="{BB962C8B-B14F-4D97-AF65-F5344CB8AC3E}">
+        <p14:creationId xmlns:p14="http://schemas.microsoft.com/office/powerpoint/2010/main" val="1308413446"/>
+      </p:ext>
+    </p:extLst>
+  </p:cSld>
+  <p:clrMapOvr>
+    <a:masterClrMapping/>
+  </p:clrMapOvr>
+</p:sld>
+</file>
+
+<file path=ppt/slides/slide11.xml><?xml version="1.0" encoding="utf-8"?>
+<p:sld xmlns:a="http://schemas.openxmlformats.org/drawingml/2006/main" xmlns:r="http://schemas.openxmlformats.org/officeDocument/2006/relationships" xmlns:p="http://schemas.openxmlformats.org/presentationml/2006/main">
+  <p:cSld>
+    <p:spTree>
+      <p:nvGrpSpPr>
+        <p:cNvPr id="1" name=""/>
+        <p:cNvGrpSpPr/>
+        <p:nvPr/>
+      </p:nvGrpSpPr>
+      <p:grpSpPr>
+        <a:xfrm>
+          <a:off x="0" y="0"/>
+          <a:ext cx="0" cy="0"/>
+          <a:chOff x="0" y="0"/>
+          <a:chExt cx="0" cy="0"/>
+        </a:xfrm>
+      </p:grpSpPr>
+      <p:sp>
+        <p:nvSpPr>
+          <p:cNvPr id="2" name="Title 1">
+            <a:extLst>
+              <a:ext uri="{FF2B5EF4-FFF2-40B4-BE49-F238E27FC236}">
+                <a16:creationId xmlns:a16="http://schemas.microsoft.com/office/drawing/2014/main" id="{3FC0A6EC-04AA-5B45-94C0-FF1C4EFEF1BA}"/>
+              </a:ext>
+            </a:extLst>
+          </p:cNvPr>
+          <p:cNvSpPr>
+            <a:spLocks noGrp="1"/>
+          </p:cNvSpPr>
+          <p:nvPr>
+            <p:ph type="title"/>
+          </p:nvPr>
+        </p:nvSpPr>
+        <p:spPr/>
+        <p:txBody>
+          <a:bodyPr/>
+          <a:lstStyle/>
+          <a:p>
+            <a:r>
+              <a:rPr lang="en-US" dirty="0"/>
+              <a:t>Collaborate with others</a:t>
+            </a:r>
+          </a:p>
+        </p:txBody>
+      </p:sp>
+      <p:sp>
+        <p:nvSpPr>
+          <p:cNvPr id="3" name="Content Placeholder 2">
+            <a:extLst>
+              <a:ext uri="{FF2B5EF4-FFF2-40B4-BE49-F238E27FC236}">
+                <a16:creationId xmlns:a16="http://schemas.microsoft.com/office/drawing/2014/main" id="{82EC5F2A-B8D5-F442-A36B-5E8FE02E22DB}"/>
+              </a:ext>
+            </a:extLst>
+          </p:cNvPr>
+          <p:cNvSpPr>
+            <a:spLocks noGrp="1"/>
+          </p:cNvSpPr>
+          <p:nvPr>
+            <p:ph idx="1"/>
+          </p:nvPr>
+        </p:nvSpPr>
+        <p:spPr/>
+        <p:txBody>
+          <a:bodyPr/>
+          <a:lstStyle/>
+          <a:p>
+            <a:pPr marL="0" indent="0">
+              <a:buNone/>
+            </a:pPr>
+            <a:endParaRPr lang="en-US" dirty="0"/>
+          </a:p>
+          <a:p>
+            <a:pPr marL="0" indent="0">
+              <a:buNone/>
+            </a:pPr>
+            <a:endParaRPr lang="en-US" dirty="0"/>
+          </a:p>
+          <a:p>
+            <a:pPr marL="0" indent="0">
+              <a:buNone/>
+            </a:pPr>
+            <a:endParaRPr lang="en-US" dirty="0"/>
+          </a:p>
+          <a:p>
+            <a:pPr marL="0" indent="0">
+              <a:buNone/>
+            </a:pPr>
+            <a:r>
+              <a:rPr lang="en-US" dirty="0">
+                <a:hlinkClick r:id="rId2"/>
+              </a:rPr>
+              <a:t>https://github.com/EDUCE-UBC/workshops/pulls</a:t>
+            </a:r>
+            <a:endParaRPr lang="en-US" dirty="0"/>
+          </a:p>
+          <a:p>
+            <a:pPr marL="0" indent="0">
+              <a:buNone/>
+            </a:pPr>
+            <a:r>
+              <a:rPr lang="en-US" dirty="0"/>
+              <a:t>Closed: Merge introduction to R </a:t>
+            </a:r>
+            <a:r>
+              <a:rPr lang="en-US" dirty="0" err="1"/>
+              <a:t>learnr</a:t>
+            </a:r>
+            <a:r>
+              <a:rPr lang="en-US" dirty="0"/>
+              <a:t> tutorial</a:t>
+            </a:r>
+          </a:p>
+        </p:txBody>
+      </p:sp>
+      <p:sp>
+        <p:nvSpPr>
+          <p:cNvPr id="4" name="TextBox 3">
+            <a:extLst>
+              <a:ext uri="{FF2B5EF4-FFF2-40B4-BE49-F238E27FC236}">
+                <a16:creationId xmlns:a16="http://schemas.microsoft.com/office/drawing/2014/main" id="{1FAA8BE5-F9EE-D246-815B-B3C52BE8CBA4}"/>
+              </a:ext>
+            </a:extLst>
+          </p:cNvPr>
+          <p:cNvSpPr txBox="1"/>
+          <p:nvPr/>
+        </p:nvSpPr>
+        <p:spPr>
+          <a:xfrm>
+            <a:off x="0" y="6488668"/>
+            <a:ext cx="12192000" cy="369332"/>
+          </a:xfrm>
+          <a:prstGeom prst="rect">
+            <a:avLst/>
+          </a:prstGeom>
+          <a:noFill/>
+        </p:spPr>
+        <p:txBody>
+          <a:bodyPr wrap="square" rtlCol="0">
+            <a:spAutoFit/>
+          </a:bodyPr>
+          <a:lstStyle/>
+          <a:p>
+            <a:pPr algn="ctr"/>
+            <a:r>
+              <a:rPr lang="en-US" dirty="0" err="1"/>
+              <a:t>kadm@uw.edu</a:t>
+            </a:r>
+            <a:r>
+              <a:rPr lang="en-US" dirty="0"/>
+              <a:t>	@</a:t>
+            </a:r>
+            <a:r>
+              <a:rPr lang="en-US" dirty="0" err="1"/>
+              <a:t>kdillmcfarland</a:t>
+            </a:r>
+            <a:r>
+              <a:rPr lang="en-US" dirty="0"/>
+              <a:t>						Slides </a:t>
+            </a:r>
+            <a:r>
+              <a:rPr lang="en-US" dirty="0">
+                <a:hlinkClick r:id="rId3"/>
+              </a:rPr>
+              <a:t>https://tinyurl.com/yxz9llyu</a:t>
+            </a:r>
+            <a:endParaRPr lang="en-US" dirty="0"/>
+          </a:p>
+        </p:txBody>
+      </p:sp>
+    </p:spTree>
+    <p:extLst>
+      <p:ext uri="{BB962C8B-B14F-4D97-AF65-F5344CB8AC3E}">
+        <p14:creationId xmlns:p14="http://schemas.microsoft.com/office/powerpoint/2010/main" val="1141747473"/>
+      </p:ext>
+    </p:extLst>
+  </p:cSld>
+  <p:clrMapOvr>
+    <a:masterClrMapping/>
+  </p:clrMapOvr>
+</p:sld>
+</file>
+
+<file path=ppt/slides/slide12.xml><?xml version="1.0" encoding="utf-8"?>
+<p:sld xmlns:a="http://schemas.openxmlformats.org/drawingml/2006/main" xmlns:r="http://schemas.openxmlformats.org/officeDocument/2006/relationships" xmlns:p="http://schemas.openxmlformats.org/presentationml/2006/main">
+  <p:cSld>
+    <p:spTree>
+      <p:nvGrpSpPr>
+        <p:cNvPr id="1" name=""/>
+        <p:cNvGrpSpPr/>
+        <p:nvPr/>
+      </p:nvGrpSpPr>
+      <p:grpSpPr>
+        <a:xfrm>
+          <a:off x="0" y="0"/>
+          <a:ext cx="0" cy="0"/>
+          <a:chOff x="0" y="0"/>
+          <a:chExt cx="0" cy="0"/>
+        </a:xfrm>
+      </p:grpSpPr>
+      <p:sp>
+        <p:nvSpPr>
+          <p:cNvPr id="2" name="Title 1">
+            <a:extLst>
+              <a:ext uri="{FF2B5EF4-FFF2-40B4-BE49-F238E27FC236}">
+                <a16:creationId xmlns:a16="http://schemas.microsoft.com/office/drawing/2014/main" id="{3FC0A6EC-04AA-5B45-94C0-FF1C4EFEF1BA}"/>
+              </a:ext>
+            </a:extLst>
+          </p:cNvPr>
+          <p:cNvSpPr>
+            <a:spLocks noGrp="1"/>
+          </p:cNvSpPr>
+          <p:nvPr>
+            <p:ph type="title"/>
+          </p:nvPr>
+        </p:nvSpPr>
+        <p:spPr/>
+        <p:txBody>
+          <a:bodyPr/>
+          <a:lstStyle/>
+          <a:p>
+            <a:endParaRPr lang="en-US"/>
+          </a:p>
+        </p:txBody>
+      </p:sp>
+      <p:sp>
+        <p:nvSpPr>
+          <p:cNvPr id="3" name="Content Placeholder 2">
+            <a:extLst>
+              <a:ext uri="{FF2B5EF4-FFF2-40B4-BE49-F238E27FC236}">
+                <a16:creationId xmlns:a16="http://schemas.microsoft.com/office/drawing/2014/main" id="{82EC5F2A-B8D5-F442-A36B-5E8FE02E22DB}"/>
+              </a:ext>
+            </a:extLst>
+          </p:cNvPr>
+          <p:cNvSpPr>
+            <a:spLocks noGrp="1"/>
+          </p:cNvSpPr>
+          <p:nvPr>
+            <p:ph idx="1"/>
+          </p:nvPr>
+        </p:nvSpPr>
+        <p:spPr/>
+        <p:txBody>
+          <a:bodyPr/>
+          <a:lstStyle/>
+          <a:p>
+            <a:endParaRPr lang="en-US"/>
+          </a:p>
+        </p:txBody>
+      </p:sp>
+      <p:sp>
+        <p:nvSpPr>
+          <p:cNvPr id="4" name="TextBox 3">
+            <a:extLst>
+              <a:ext uri="{FF2B5EF4-FFF2-40B4-BE49-F238E27FC236}">
+                <a16:creationId xmlns:a16="http://schemas.microsoft.com/office/drawing/2014/main" id="{1FAA8BE5-F9EE-D246-815B-B3C52BE8CBA4}"/>
+              </a:ext>
+            </a:extLst>
+          </p:cNvPr>
+          <p:cNvSpPr txBox="1"/>
+          <p:nvPr/>
+        </p:nvSpPr>
+        <p:spPr>
+          <a:xfrm>
+            <a:off x="0" y="6488668"/>
+            <a:ext cx="12192000" cy="369332"/>
+          </a:xfrm>
+          <a:prstGeom prst="rect">
+            <a:avLst/>
+          </a:prstGeom>
+          <a:noFill/>
+        </p:spPr>
+        <p:txBody>
+          <a:bodyPr wrap="square" rtlCol="0">
+            <a:spAutoFit/>
+          </a:bodyPr>
+          <a:lstStyle/>
+          <a:p>
+            <a:pPr algn="ctr"/>
+            <a:r>
+              <a:rPr lang="en-US" dirty="0" err="1"/>
+              <a:t>kadm@uw.edu</a:t>
+            </a:r>
+            <a:r>
+              <a:rPr lang="en-US" dirty="0"/>
+              <a:t>	@</a:t>
+            </a:r>
+            <a:r>
+              <a:rPr lang="en-US" dirty="0" err="1"/>
+              <a:t>kdillmcfarland</a:t>
+            </a:r>
+            <a:r>
+              <a:rPr lang="en-US" dirty="0"/>
+              <a:t>						Slides </a:t>
+            </a:r>
+            <a:r>
+              <a:rPr lang="en-US" dirty="0">
+                <a:hlinkClick r:id="rId2"/>
+              </a:rPr>
+              <a:t>https://tinyurl.com/yxz9llyu</a:t>
+            </a:r>
+            <a:endParaRPr lang="en-US" dirty="0"/>
+          </a:p>
+        </p:txBody>
+      </p:sp>
+    </p:spTree>
+    <p:extLst>
+      <p:ext uri="{BB962C8B-B14F-4D97-AF65-F5344CB8AC3E}">
+        <p14:creationId xmlns:p14="http://schemas.microsoft.com/office/powerpoint/2010/main" val="3050399067"/>
+      </p:ext>
+    </p:extLst>
+  </p:cSld>
+  <p:clrMapOvr>
+    <a:masterClrMapping/>
+  </p:clrMapOvr>
+</p:sld>
+</file>
+
+<file path=ppt/slides/slide13.xml><?xml version="1.0" encoding="utf-8"?>
+<p:sld xmlns:a="http://schemas.openxmlformats.org/drawingml/2006/main" xmlns:r="http://schemas.openxmlformats.org/officeDocument/2006/relationships" xmlns:p="http://schemas.openxmlformats.org/presentationml/2006/main">
+  <p:cSld>
+    <p:spTree>
+      <p:nvGrpSpPr>
+        <p:cNvPr id="1" name=""/>
+        <p:cNvGrpSpPr/>
+        <p:nvPr/>
+      </p:nvGrpSpPr>
+      <p:grpSpPr>
+        <a:xfrm>
+          <a:off x="0" y="0"/>
+          <a:ext cx="0" cy="0"/>
+          <a:chOff x="0" y="0"/>
+          <a:chExt cx="0" cy="0"/>
+        </a:xfrm>
+      </p:grpSpPr>
+      <p:sp>
+        <p:nvSpPr>
+          <p:cNvPr id="2" name="Title 1">
+            <a:extLst>
+              <a:ext uri="{FF2B5EF4-FFF2-40B4-BE49-F238E27FC236}">
+                <a16:creationId xmlns:a16="http://schemas.microsoft.com/office/drawing/2014/main" id="{3FC0A6EC-04AA-5B45-94C0-FF1C4EFEF1BA}"/>
+              </a:ext>
+            </a:extLst>
+          </p:cNvPr>
+          <p:cNvSpPr>
+            <a:spLocks noGrp="1"/>
+          </p:cNvSpPr>
+          <p:nvPr>
+            <p:ph type="title"/>
+          </p:nvPr>
+        </p:nvSpPr>
+        <p:spPr/>
+        <p:txBody>
+          <a:bodyPr/>
+          <a:lstStyle/>
+          <a:p>
             <a:endParaRPr lang="en-US"/>
           </a:p>
         </p:txBody>
@@ -5407,32 +6294,10 @@
           <a:bodyPr/>
           <a:lstStyle/>
           <a:p>
-            <a:endParaRPr lang="en-US"/>
-          </a:p>
-        </p:txBody>
-      </p:sp>
-      <p:sp>
-        <p:nvSpPr>
-          <p:cNvPr id="3" name="Content Placeholder 2">
-            <a:extLst>
-              <a:ext uri="{FF2B5EF4-FFF2-40B4-BE49-F238E27FC236}">
-                <a16:creationId xmlns:a16="http://schemas.microsoft.com/office/drawing/2014/main" id="{82EC5F2A-B8D5-F442-A36B-5E8FE02E22DB}"/>
-              </a:ext>
-            </a:extLst>
-          </p:cNvPr>
-          <p:cNvSpPr>
-            <a:spLocks noGrp="1"/>
-          </p:cNvSpPr>
-          <p:nvPr>
-            <p:ph idx="1"/>
-          </p:nvPr>
-        </p:nvSpPr>
-        <p:spPr/>
-        <p:txBody>
-          <a:bodyPr/>
-          <a:lstStyle/>
-          <a:p>
-            <a:endParaRPr lang="en-US"/>
+            <a:r>
+              <a:rPr lang="en-US" dirty="0"/>
+              <a:t>Collaborate over space</a:t>
+            </a:r>
           </a:p>
         </p:txBody>
       </p:sp>
@@ -5483,18 +6348,264 @@
             </a:r>
             <a:r>
               <a:rPr lang="en-US" dirty="0">
-                <a:hlinkClick r:id="rId2"/>
+                <a:hlinkClick r:id="rId3"/>
               </a:rPr>
               <a:t>https://tinyurl.com/yxz9llyu</a:t>
             </a:r>
             <a:endParaRPr lang="en-US" dirty="0"/>
+          </a:p>
+        </p:txBody>
+      </p:sp>
+      <p:pic>
+        <p:nvPicPr>
+          <p:cNvPr id="6" name="Picture 5">
+            <a:extLst>
+              <a:ext uri="{FF2B5EF4-FFF2-40B4-BE49-F238E27FC236}">
+                <a16:creationId xmlns:a16="http://schemas.microsoft.com/office/drawing/2014/main" id="{DF542311-3563-D146-992A-AD7379BAB442}"/>
+              </a:ext>
+            </a:extLst>
+          </p:cNvPr>
+          <p:cNvPicPr>
+            <a:picLocks noChangeAspect="1"/>
+          </p:cNvPicPr>
+          <p:nvPr/>
+        </p:nvPicPr>
+        <p:blipFill rotWithShape="1">
+          <a:blip r:embed="rId4"/>
+          <a:srcRect r="21356" b="53830"/>
+          <a:stretch/>
+        </p:blipFill>
+        <p:spPr>
+          <a:xfrm>
+            <a:off x="368609" y="1849078"/>
+            <a:ext cx="11454781" cy="3877046"/>
+          </a:xfrm>
+          <a:prstGeom prst="rect">
+            <a:avLst/>
+          </a:prstGeom>
+        </p:spPr>
+      </p:pic>
+      <p:grpSp>
+        <p:nvGrpSpPr>
+          <p:cNvPr id="9" name="Group 8">
+            <a:extLst>
+              <a:ext uri="{FF2B5EF4-FFF2-40B4-BE49-F238E27FC236}">
+                <a16:creationId xmlns:a16="http://schemas.microsoft.com/office/drawing/2014/main" id="{5EA54988-A4BE-F545-B1F6-6F899CBB11CC}"/>
+              </a:ext>
+            </a:extLst>
+          </p:cNvPr>
+          <p:cNvGrpSpPr/>
+          <p:nvPr/>
+        </p:nvGrpSpPr>
+        <p:grpSpPr>
+          <a:xfrm>
+            <a:off x="9855671" y="0"/>
+            <a:ext cx="2266660" cy="967957"/>
+            <a:chOff x="9281160" y="4606604"/>
+            <a:chExt cx="2266660" cy="967957"/>
+          </a:xfrm>
+        </p:grpSpPr>
+        <p:sp>
+          <p:nvSpPr>
+            <p:cNvPr id="10" name="Rectangle 9">
+              <a:extLst>
+                <a:ext uri="{FF2B5EF4-FFF2-40B4-BE49-F238E27FC236}">
+                  <a16:creationId xmlns:a16="http://schemas.microsoft.com/office/drawing/2014/main" id="{F04D3635-793B-4445-9513-6DA29B8D51B4}"/>
+                </a:ext>
+              </a:extLst>
+            </p:cNvPr>
+            <p:cNvSpPr>
+              <a:spLocks noChangeAspect="1"/>
+            </p:cNvSpPr>
+            <p:nvPr/>
+          </p:nvSpPr>
+          <p:spPr>
+            <a:xfrm>
+              <a:off x="9281160" y="5214136"/>
+              <a:ext cx="274320" cy="274320"/>
+            </a:xfrm>
+            <a:prstGeom prst="rect">
+              <a:avLst/>
+            </a:prstGeom>
+          </p:spPr>
+          <p:style>
+            <a:lnRef idx="2">
+              <a:schemeClr val="accent2">
+                <a:shade val="50000"/>
+              </a:schemeClr>
+            </a:lnRef>
+            <a:fillRef idx="1">
+              <a:schemeClr val="accent2"/>
+            </a:fillRef>
+            <a:effectRef idx="0">
+              <a:schemeClr val="accent2"/>
+            </a:effectRef>
+            <a:fontRef idx="minor">
+              <a:schemeClr val="lt1"/>
+            </a:fontRef>
+          </p:style>
+          <p:txBody>
+            <a:bodyPr rtlCol="0" anchor="ctr"/>
+            <a:lstStyle/>
+            <a:p>
+              <a:pPr algn="ctr"/>
+              <a:endParaRPr lang="en-US"/>
+            </a:p>
+          </p:txBody>
+        </p:sp>
+        <p:sp>
+          <p:nvSpPr>
+            <p:cNvPr id="11" name="Rectangle 10">
+              <a:extLst>
+                <a:ext uri="{FF2B5EF4-FFF2-40B4-BE49-F238E27FC236}">
+                  <a16:creationId xmlns:a16="http://schemas.microsoft.com/office/drawing/2014/main" id="{CE1F8445-AC4A-744E-A66C-C33B7E901450}"/>
+                </a:ext>
+              </a:extLst>
+            </p:cNvPr>
+            <p:cNvSpPr>
+              <a:spLocks noChangeAspect="1"/>
+            </p:cNvSpPr>
+            <p:nvPr/>
+          </p:nvSpPr>
+          <p:spPr>
+            <a:xfrm>
+              <a:off x="9281160" y="4781426"/>
+              <a:ext cx="274320" cy="274320"/>
+            </a:xfrm>
+            <a:prstGeom prst="rect">
+              <a:avLst/>
+            </a:prstGeom>
+          </p:spPr>
+          <p:style>
+            <a:lnRef idx="2">
+              <a:schemeClr val="accent1">
+                <a:shade val="50000"/>
+              </a:schemeClr>
+            </a:lnRef>
+            <a:fillRef idx="1">
+              <a:schemeClr val="accent1"/>
+            </a:fillRef>
+            <a:effectRef idx="0">
+              <a:schemeClr val="accent1"/>
+            </a:effectRef>
+            <a:fontRef idx="minor">
+              <a:schemeClr val="lt1"/>
+            </a:fontRef>
+          </p:style>
+          <p:txBody>
+            <a:bodyPr rtlCol="0" anchor="ctr"/>
+            <a:lstStyle/>
+            <a:p>
+              <a:pPr algn="ctr"/>
+              <a:endParaRPr lang="en-US"/>
+            </a:p>
+          </p:txBody>
+        </p:sp>
+        <p:sp>
+          <p:nvSpPr>
+            <p:cNvPr id="12" name="TextBox 11">
+              <a:extLst>
+                <a:ext uri="{FF2B5EF4-FFF2-40B4-BE49-F238E27FC236}">
+                  <a16:creationId xmlns:a16="http://schemas.microsoft.com/office/drawing/2014/main" id="{75CDEC9A-DE53-F246-882A-640F8898BAE7}"/>
+                </a:ext>
+              </a:extLst>
+            </p:cNvPr>
+            <p:cNvSpPr txBox="1"/>
+            <p:nvPr/>
+          </p:nvSpPr>
+          <p:spPr>
+            <a:xfrm>
+              <a:off x="9555480" y="4606604"/>
+              <a:ext cx="1992340" cy="967957"/>
+            </a:xfrm>
+            <a:prstGeom prst="rect">
+              <a:avLst/>
+            </a:prstGeom>
+            <a:noFill/>
+          </p:spPr>
+          <p:txBody>
+            <a:bodyPr wrap="none" rtlCol="0">
+              <a:spAutoFit/>
+            </a:bodyPr>
+            <a:lstStyle/>
+            <a:p>
+              <a:pPr>
+                <a:lnSpc>
+                  <a:spcPct val="150000"/>
+                </a:lnSpc>
+              </a:pPr>
+              <a:r>
+                <a:rPr lang="en-US" sz="2000" dirty="0"/>
+                <a:t>git command line</a:t>
+              </a:r>
+            </a:p>
+            <a:p>
+              <a:pPr>
+                <a:lnSpc>
+                  <a:spcPct val="150000"/>
+                </a:lnSpc>
+              </a:pPr>
+              <a:r>
+                <a:rPr lang="en-US" sz="2000" dirty="0"/>
+                <a:t>key terms</a:t>
+              </a:r>
+            </a:p>
+          </p:txBody>
+        </p:sp>
+      </p:grpSp>
+      <p:sp>
+        <p:nvSpPr>
+          <p:cNvPr id="13" name="Rectangle 12">
+            <a:extLst>
+              <a:ext uri="{FF2B5EF4-FFF2-40B4-BE49-F238E27FC236}">
+                <a16:creationId xmlns:a16="http://schemas.microsoft.com/office/drawing/2014/main" id="{B704E53A-83F9-5343-83F2-AA13BBC48CF1}"/>
+              </a:ext>
+            </a:extLst>
+          </p:cNvPr>
+          <p:cNvSpPr/>
+          <p:nvPr/>
+        </p:nvSpPr>
+        <p:spPr>
+          <a:xfrm>
+            <a:off x="8856617" y="3683726"/>
+            <a:ext cx="783772" cy="339634"/>
+          </a:xfrm>
+          <a:prstGeom prst="rect">
+            <a:avLst/>
+          </a:prstGeom>
+          <a:ln>
+            <a:solidFill>
+              <a:schemeClr val="bg1"/>
+            </a:solidFill>
+          </a:ln>
+        </p:spPr>
+        <p:style>
+          <a:lnRef idx="2">
+            <a:schemeClr val="accent6"/>
+          </a:lnRef>
+          <a:fillRef idx="1">
+            <a:schemeClr val="lt1"/>
+          </a:fillRef>
+          <a:effectRef idx="0">
+            <a:schemeClr val="accent6"/>
+          </a:effectRef>
+          <a:fontRef idx="minor">
+            <a:schemeClr val="dk1"/>
+          </a:fontRef>
+        </p:style>
+        <p:txBody>
+          <a:bodyPr rtlCol="0" anchor="ctr"/>
+          <a:lstStyle/>
+          <a:p>
+            <a:pPr algn="ctr"/>
+            <a:endParaRPr lang="en-US"/>
           </a:p>
         </p:txBody>
       </p:sp>
     </p:spTree>
     <p:extLst>
       <p:ext uri="{BB962C8B-B14F-4D97-AF65-F5344CB8AC3E}">
-        <p14:creationId xmlns:p14="http://schemas.microsoft.com/office/powerpoint/2010/main" val="3050399067"/>
+        <p14:creationId xmlns:p14="http://schemas.microsoft.com/office/powerpoint/2010/main" val="1326476252"/>
       </p:ext>
     </p:extLst>
   </p:cSld>
